--- a/Projekt/AKS Steg 1.pptx
+++ b/Projekt/AKS Steg 1.pptx
@@ -3250,10 +3250,6 @@
               <a:rPr lang="sv-SE" dirty="0" smtClean="0"/>
               <a:t>AKS Steg 1</a:t>
             </a:r>
-            <a:r>
-              <a:rPr lang="sv-SE" dirty="0" smtClean="0"/>
-              <a:t/>
-            </a:r>
             <a:br>
               <a:rPr lang="sv-SE" dirty="0" smtClean="0"/>
             </a:br>
@@ -3321,7 +3317,6 @@
               <a:rPr lang="sv-SE" b="1" dirty="0" smtClean="0"/>
               <a:t>1. Kravspecifikation</a:t>
             </a:r>
-            <a:endParaRPr lang="sv-SE" b="1" dirty="0" smtClean="0"/>
           </a:p>
           <a:p>
             <a:endParaRPr lang="sv-SE" sz="1400" dirty="0"/>
@@ -3329,21 +3324,13 @@
           <a:p>
             <a:r>
               <a:rPr lang="sv-SE" sz="1400" b="1" dirty="0" smtClean="0"/>
-              <a:t>Problembeskrivning</a:t>
-            </a:r>
-            <a:r>
-              <a:rPr lang="sv-SE" sz="1400" b="1" dirty="0" smtClean="0"/>
-              <a:t>:</a:t>
+              <a:t>Problembeskrivning:</a:t>
             </a:r>
           </a:p>
           <a:p>
             <a:r>
               <a:rPr lang="sv-SE" sz="1400" dirty="0" smtClean="0"/>
-              <a:t>Jag skall skapa en databas i form av ett medlemsregister för den fiktiva klubben KALMAR </a:t>
-            </a:r>
-            <a:r>
-              <a:rPr lang="sv-SE" sz="1400" dirty="0" smtClean="0"/>
-              <a:t>ÄVENTYRARE.</a:t>
+              <a:t>Jag skall skapa en databas i form av ett medlemsregister för den fiktiva klubben KALMAR ÄVENTYRARE.</a:t>
             </a:r>
           </a:p>
           <a:p>
@@ -3353,23 +3340,7 @@
             </a:pPr>
             <a:r>
               <a:rPr lang="sv-SE" sz="1400" dirty="0" smtClean="0"/>
-              <a:t>I applikationen skall man kunna registrera/ta bort/uppdatera </a:t>
-            </a:r>
-            <a:r>
-              <a:rPr lang="sv-SE" sz="1400" dirty="0" smtClean="0"/>
-              <a:t>medlemmar, </a:t>
-            </a:r>
-            <a:r>
-              <a:rPr lang="sv-SE" sz="1400" dirty="0" smtClean="0"/>
-              <a:t>vilka aktiviteter </a:t>
-            </a:r>
-            <a:r>
-              <a:rPr lang="sv-SE" sz="1400" dirty="0" smtClean="0"/>
-              <a:t>de utövar, när de gick med/slutade i klubben, kontaktinformation, medlemsavgift </a:t>
-            </a:r>
-            <a:r>
-              <a:rPr lang="sv-SE" sz="1400" dirty="0" smtClean="0"/>
-              <a:t>m.m.</a:t>
+              <a:t>I applikationen skall man kunna registrera/ta bort/uppdatera medlemmar, vilka aktiviteter de utövar, när de gick med/slutade i klubben, kontaktinformation, medlemsavgift m.m.</a:t>
             </a:r>
           </a:p>
           <a:p>
@@ -3379,23 +3350,7 @@
             </a:pPr>
             <a:r>
               <a:rPr lang="sv-SE" sz="1400" dirty="0" smtClean="0"/>
-              <a:t>Klubben </a:t>
-            </a:r>
-            <a:r>
-              <a:rPr lang="sv-SE" sz="1400" dirty="0" smtClean="0"/>
-              <a:t>bokar och åker ofta iväg på resor/träningsläger och måste därför kunna föra en logg på vilka som följt med på </a:t>
-            </a:r>
-            <a:r>
-              <a:rPr lang="sv-SE" sz="1400" dirty="0" smtClean="0"/>
-              <a:t>dessa samt </a:t>
-            </a:r>
-            <a:r>
-              <a:rPr lang="sv-SE" sz="1400" dirty="0" smtClean="0"/>
-              <a:t>hur länge de är </a:t>
-            </a:r>
-            <a:r>
-              <a:rPr lang="sv-SE" sz="1400" dirty="0" smtClean="0"/>
-              <a:t>borta.</a:t>
+              <a:t>Klubben bokar och åker ofta iväg på resor/träningsläger och måste därför kunna föra en logg på vilka som följt med på dessa samt hur länge de är borta.</a:t>
             </a:r>
           </a:p>
           <a:p>
@@ -3405,11 +3360,7 @@
             </a:pPr>
             <a:r>
               <a:rPr lang="sv-SE" sz="1400" dirty="0" smtClean="0"/>
-              <a:t>Inom </a:t>
-            </a:r>
-            <a:r>
-              <a:rPr lang="sv-SE" sz="1400" dirty="0" smtClean="0"/>
-              <a:t>klubben så skall det även finnas en strikt hierarki utav medlemmarna, med ordförande, ekonomi, ansvarig, instruktörer, elever etc.</a:t>
+              <a:t>Inom klubben så skall det även finnas en strikt hierarki utav medlemmarna, med ordförande, ekonomi, ansvarig, instruktörer, elever etc.</a:t>
             </a:r>
             <a:endParaRPr lang="sv-SE" sz="1400" dirty="0"/>
           </a:p>
@@ -5215,7 +5166,7 @@
             <a:pPr algn="ctr"/>
             <a:r>
               <a:rPr lang="sv-SE" sz="1600" dirty="0" smtClean="0"/>
-              <a:t>Telefon</a:t>
+              <a:t>Kontakt</a:t>
             </a:r>
             <a:endParaRPr lang="sv-SE" sz="1600" dirty="0"/>
           </a:p>
@@ -5259,7 +5210,11 @@
             <a:pPr algn="ctr"/>
             <a:r>
               <a:rPr lang="sv-SE" sz="1600" dirty="0" smtClean="0"/>
-              <a:t>Telefontyp</a:t>
+              <a:t>Kontakt</a:t>
+            </a:r>
+            <a:r>
+              <a:rPr lang="sv-SE" sz="1600" dirty="0" smtClean="0"/>
+              <a:t>typ</a:t>
             </a:r>
             <a:endParaRPr lang="sv-SE" sz="1600" dirty="0"/>
           </a:p>
@@ -5615,13 +5570,22 @@
           <a:p>
             <a:r>
               <a:rPr lang="sv-SE" sz="1400" b="1" dirty="0" smtClean="0"/>
-              <a:t>Telefon</a:t>
-            </a:r>
+              <a:t>Kontakt</a:t>
+            </a:r>
+            <a:endParaRPr lang="sv-SE" sz="1400" b="1" dirty="0" smtClean="0"/>
           </a:p>
           <a:p>
             <a:r>
               <a:rPr lang="sv-SE" sz="1400" dirty="0" smtClean="0"/>
-              <a:t>TelID Pk, Int</a:t>
+              <a:t>Kon</a:t>
+            </a:r>
+            <a:r>
+              <a:rPr lang="sv-SE" sz="1400" dirty="0" smtClean="0"/>
+              <a:t>ID </a:t>
+            </a:r>
+            <a:r>
+              <a:rPr lang="sv-SE" sz="1400" dirty="0" smtClean="0"/>
+              <a:t>Pk, Int</a:t>
             </a:r>
             <a:endParaRPr lang="sv-SE" sz="1400" dirty="0"/>
           </a:p>
@@ -5634,7 +5598,15 @@
           <a:p>
             <a:r>
               <a:rPr lang="sv-SE" sz="1400" dirty="0" smtClean="0"/>
-              <a:t>TeltypID Fk, Int</a:t>
+              <a:t>Kon</a:t>
+            </a:r>
+            <a:r>
+              <a:rPr lang="sv-SE" sz="1400" dirty="0" smtClean="0"/>
+              <a:t>typID </a:t>
+            </a:r>
+            <a:r>
+              <a:rPr lang="sv-SE" sz="1400" dirty="0" smtClean="0"/>
+              <a:t>Fk, Int</a:t>
             </a:r>
             <a:endParaRPr lang="sv-SE" sz="1400" dirty="0"/>
           </a:p>
@@ -5670,13 +5642,22 @@
           <a:p>
             <a:r>
               <a:rPr lang="sv-SE" sz="1400" b="1" dirty="0" smtClean="0"/>
-              <a:t>Telefontyp</a:t>
-            </a:r>
+              <a:t>Kontakt</a:t>
+            </a:r>
+            <a:r>
+              <a:rPr lang="sv-SE" sz="1400" b="1" dirty="0" smtClean="0"/>
+              <a:t>typ</a:t>
+            </a:r>
+            <a:endParaRPr lang="sv-SE" sz="1400" b="1" dirty="0" smtClean="0"/>
           </a:p>
           <a:p>
             <a:r>
               <a:rPr lang="sv-SE" sz="1400" dirty="0" smtClean="0"/>
-              <a:t>TeltypID </a:t>
+              <a:t>Kon</a:t>
+            </a:r>
+            <a:r>
+              <a:rPr lang="sv-SE" sz="1400" dirty="0" smtClean="0"/>
+              <a:t>typID </a:t>
             </a:r>
             <a:r>
               <a:rPr lang="sv-SE" sz="1400" dirty="0"/>
@@ -5690,7 +5671,15 @@
           <a:p>
             <a:r>
               <a:rPr lang="sv-SE" sz="1400" dirty="0" smtClean="0"/>
-              <a:t>Teltyp, VC(10)</a:t>
+              <a:t>Kon</a:t>
+            </a:r>
+            <a:r>
+              <a:rPr lang="sv-SE" sz="1400" dirty="0" smtClean="0"/>
+              <a:t>typ</a:t>
+            </a:r>
+            <a:r>
+              <a:rPr lang="sv-SE" sz="1400" dirty="0" smtClean="0"/>
+              <a:t>, VC(10)</a:t>
             </a:r>
             <a:endParaRPr lang="sv-SE" sz="1400" dirty="0"/>
           </a:p>
@@ -5746,7 +5735,6 @@
               <a:rPr lang="sv-SE" sz="1400" dirty="0" smtClean="0"/>
               <a:t>BefID Fk, Int</a:t>
             </a:r>
-            <a:endParaRPr lang="sv-SE" sz="1400" dirty="0" smtClean="0"/>
           </a:p>
           <a:p>
             <a:r>
@@ -6996,7 +6984,7 @@
             <a:pPr algn="ctr"/>
             <a:r>
               <a:rPr lang="sv-SE" sz="1600" dirty="0" smtClean="0"/>
-              <a:t>Telefon</a:t>
+              <a:t>Kontakt</a:t>
             </a:r>
             <a:endParaRPr lang="sv-SE" sz="1600" dirty="0"/>
           </a:p>
@@ -7040,7 +7028,11 @@
             <a:pPr algn="ctr"/>
             <a:r>
               <a:rPr lang="sv-SE" sz="1600" dirty="0" smtClean="0"/>
-              <a:t>Telefontyp</a:t>
+              <a:t>Kontakt</a:t>
+            </a:r>
+            <a:r>
+              <a:rPr lang="sv-SE" sz="1600" dirty="0" smtClean="0"/>
+              <a:t>typ</a:t>
             </a:r>
             <a:endParaRPr lang="sv-SE" sz="1600" dirty="0"/>
           </a:p>
@@ -7502,13 +7494,22 @@
           <a:p>
             <a:r>
               <a:rPr lang="sv-SE" sz="1400" b="1" dirty="0" smtClean="0"/>
-              <a:t>Telefon</a:t>
-            </a:r>
+              <a:t>Kontakt</a:t>
+            </a:r>
+            <a:endParaRPr lang="sv-SE" sz="1400" b="1" dirty="0" smtClean="0"/>
           </a:p>
           <a:p>
             <a:r>
               <a:rPr lang="sv-SE" sz="1400" dirty="0" smtClean="0"/>
-              <a:t>TelID Pk, Int</a:t>
+              <a:t>Kon</a:t>
+            </a:r>
+            <a:r>
+              <a:rPr lang="sv-SE" sz="1400" dirty="0" smtClean="0"/>
+              <a:t>ID </a:t>
+            </a:r>
+            <a:r>
+              <a:rPr lang="sv-SE" sz="1400" dirty="0" smtClean="0"/>
+              <a:t>Pk, Int</a:t>
             </a:r>
             <a:endParaRPr lang="sv-SE" sz="1400" dirty="0"/>
           </a:p>
@@ -7521,15 +7522,28 @@
           <a:p>
             <a:r>
               <a:rPr lang="sv-SE" sz="1400" dirty="0" smtClean="0"/>
-              <a:t>TeltypID Fk, Int</a:t>
+              <a:t>Kontyp</a:t>
+            </a:r>
+            <a:r>
+              <a:rPr lang="sv-SE" sz="1400" dirty="0" smtClean="0"/>
+              <a:t>ID </a:t>
+            </a:r>
+            <a:r>
+              <a:rPr lang="sv-SE" sz="1400" dirty="0" smtClean="0"/>
+              <a:t>Fk, Int</a:t>
             </a:r>
             <a:endParaRPr lang="sv-SE" sz="1400" dirty="0"/>
           </a:p>
           <a:p>
             <a:r>
               <a:rPr lang="sv-SE" sz="1400" dirty="0" smtClean="0"/>
-              <a:t>Tel.nr, VC(12)</a:t>
-            </a:r>
+              <a:t>Kontaktuppgift</a:t>
+            </a:r>
+            <a:r>
+              <a:rPr lang="sv-SE" sz="1400" dirty="0" smtClean="0"/>
+              <a:t>, VC(25)</a:t>
+            </a:r>
+            <a:endParaRPr lang="sv-SE" sz="1400" dirty="0" smtClean="0"/>
           </a:p>
         </p:txBody>
       </p:sp>
@@ -7557,13 +7571,22 @@
           <a:p>
             <a:r>
               <a:rPr lang="sv-SE" sz="1400" b="1" dirty="0" smtClean="0"/>
-              <a:t>Telefontyp</a:t>
-            </a:r>
+              <a:t>Kontakt</a:t>
+            </a:r>
+            <a:r>
+              <a:rPr lang="sv-SE" sz="1400" b="1" dirty="0" smtClean="0"/>
+              <a:t>typ</a:t>
+            </a:r>
+            <a:endParaRPr lang="sv-SE" sz="1400" b="1" dirty="0" smtClean="0"/>
           </a:p>
           <a:p>
             <a:r>
               <a:rPr lang="sv-SE" sz="1400" dirty="0" smtClean="0"/>
-              <a:t>TeltypID </a:t>
+              <a:t>Kontyp</a:t>
+            </a:r>
+            <a:r>
+              <a:rPr lang="sv-SE" sz="1400" dirty="0" smtClean="0"/>
+              <a:t>ID </a:t>
             </a:r>
             <a:r>
               <a:rPr lang="sv-SE" sz="1400" dirty="0"/>
@@ -7577,7 +7600,15 @@
           <a:p>
             <a:r>
               <a:rPr lang="sv-SE" sz="1400" dirty="0" smtClean="0"/>
-              <a:t>Teltyp, VC(10)</a:t>
+              <a:t>Kon</a:t>
+            </a:r>
+            <a:r>
+              <a:rPr lang="sv-SE" sz="1400" dirty="0" smtClean="0"/>
+              <a:t>typ</a:t>
+            </a:r>
+            <a:r>
+              <a:rPr lang="sv-SE" sz="1400" dirty="0" smtClean="0"/>
+              <a:t>, VC(10)</a:t>
             </a:r>
             <a:endParaRPr lang="sv-SE" sz="1400" dirty="0"/>
           </a:p>
@@ -7639,7 +7670,6 @@
               <a:rPr lang="sv-SE" sz="1400" dirty="0" smtClean="0"/>
               <a:t>BefID Fk, Int</a:t>
             </a:r>
-            <a:endParaRPr lang="sv-SE" sz="1400" dirty="0" smtClean="0"/>
           </a:p>
           <a:p>
             <a:r>
@@ -8044,11 +8074,7 @@
                       </a:r>
                       <a:r>
                         <a:rPr lang="sv-SE" sz="1400" baseline="0" dirty="0" smtClean="0"/>
-                        <a:t> genomfördes. Postort bytts ut mot Postnummer och Ort</a:t>
-                      </a:r>
-                      <a:r>
-                        <a:rPr lang="sv-SE" sz="1400" baseline="0" dirty="0" smtClean="0"/>
-                        <a:t>.</a:t>
+                        <a:t> genomfördes. Postort bytts ut mot Postnummer och Ort.</a:t>
                       </a:r>
                     </a:p>
                     <a:p>
@@ -9067,14 +9093,14 @@
           <p:nvPr>
             <p:extLst>
               <p:ext uri="{D42A27DB-BD31-4B8C-83A1-F6EECF244321}">
-                <p14:modId xmlns:p14="http://schemas.microsoft.com/office/powerpoint/2010/main" val="2214162563"/>
+                <p14:modId xmlns:p14="http://schemas.microsoft.com/office/powerpoint/2010/main" val="3873527003"/>
               </p:ext>
             </p:extLst>
           </p:nvPr>
         </p:nvGraphicFramePr>
         <p:xfrm>
           <a:off x="179512" y="2060848"/>
-          <a:ext cx="3205608" cy="1112520"/>
+          <a:ext cx="3602863" cy="1112520"/>
         </p:xfrm>
         <a:graphic>
           <a:graphicData uri="http://schemas.openxmlformats.org/drawingml/2006/table">
@@ -9083,10 +9109,10 @@
                 <a:tableStyleId>{5C22544A-7EE6-4342-B048-85BDC9FD1C3A}</a:tableStyleId>
               </a:tblPr>
               <a:tblGrid>
-                <a:gridCol w="588201"/>
+                <a:gridCol w="667385"/>
                 <a:gridCol w="696976"/>
-                <a:gridCol w="829501"/>
-                <a:gridCol w="1090930"/>
+                <a:gridCol w="907034"/>
+                <a:gridCol w="1331468"/>
               </a:tblGrid>
               <a:tr h="370840">
                 <a:tc>
@@ -9096,7 +9122,7 @@
                     <a:p>
                       <a:r>
                         <a:rPr lang="sv-SE" sz="1400" dirty="0" smtClean="0"/>
-                        <a:t>TelID</a:t>
+                        <a:t>KonID</a:t>
                       </a:r>
                       <a:endParaRPr lang="sv-SE" sz="1400" dirty="0"/>
                     </a:p>
@@ -9196,7 +9222,7 @@
                     <a:p>
                       <a:r>
                         <a:rPr lang="sv-SE" sz="1400" dirty="0" smtClean="0"/>
-                        <a:t>TeltypID</a:t>
+                        <a:t>KontypID</a:t>
                       </a:r>
                       <a:endParaRPr lang="sv-SE" sz="1400" dirty="0"/>
                     </a:p>
@@ -9245,7 +9271,7 @@
                     <a:p>
                       <a:r>
                         <a:rPr lang="sv-SE" sz="1400" dirty="0" smtClean="0"/>
-                        <a:t>Tel.nr</a:t>
+                        <a:t>Kontaktuppgift</a:t>
                       </a:r>
                       <a:endParaRPr lang="sv-SE" sz="1400" dirty="0"/>
                     </a:p>
@@ -9368,7 +9394,7 @@
                     <a:p>
                       <a:r>
                         <a:rPr lang="sv-SE" sz="1400" dirty="0" smtClean="0"/>
-                        <a:t>0480-21624</a:t>
+                        <a:t>erik@ak.se</a:t>
                       </a:r>
                       <a:endParaRPr lang="sv-SE" sz="1400" dirty="0"/>
                     </a:p>
@@ -9472,7 +9498,7 @@
           <a:p>
             <a:r>
               <a:rPr lang="sv-SE" sz="1400" b="1" dirty="0" smtClean="0"/>
-              <a:t>Telefon</a:t>
+              <a:t>Kontakt</a:t>
             </a:r>
             <a:endParaRPr lang="sv-SE" sz="1400" b="1" dirty="0"/>
           </a:p>
@@ -9486,7 +9512,7 @@
         </p:nvSpPr>
         <p:spPr>
           <a:xfrm>
-            <a:off x="3361990" y="1781529"/>
+            <a:off x="3827616" y="1801287"/>
             <a:ext cx="1368152" cy="307777"/>
           </a:xfrm>
           <a:prstGeom prst="rect">
@@ -9502,7 +9528,11 @@
           <a:p>
             <a:r>
               <a:rPr lang="sv-SE" sz="1400" b="1" dirty="0" smtClean="0"/>
-              <a:t>Telefontyp</a:t>
+              <a:t>Kontakt</a:t>
+            </a:r>
+            <a:r>
+              <a:rPr lang="sv-SE" sz="1400" b="1" dirty="0" smtClean="0"/>
+              <a:t>typ</a:t>
             </a:r>
             <a:endParaRPr lang="sv-SE" sz="1400" b="1" dirty="0"/>
           </a:p>
@@ -9517,14 +9547,14 @@
           <p:nvPr>
             <p:extLst>
               <p:ext uri="{D42A27DB-BD31-4B8C-83A1-F6EECF244321}">
-                <p14:modId xmlns:p14="http://schemas.microsoft.com/office/powerpoint/2010/main" val="3601488887"/>
+                <p14:modId xmlns:p14="http://schemas.microsoft.com/office/powerpoint/2010/main" val="678648782"/>
               </p:ext>
             </p:extLst>
           </p:nvPr>
         </p:nvGraphicFramePr>
         <p:xfrm>
-          <a:off x="3458302" y="2048437"/>
-          <a:ext cx="1546099" cy="1112520"/>
+          <a:off x="3923928" y="2068195"/>
+          <a:ext cx="2065338" cy="1112520"/>
         </p:xfrm>
         <a:graphic>
           <a:graphicData uri="http://schemas.openxmlformats.org/drawingml/2006/table">
@@ -9533,8 +9563,8 @@
                 <a:tableStyleId>{5C22544A-7EE6-4342-B048-85BDC9FD1C3A}</a:tableStyleId>
               </a:tblPr>
               <a:tblGrid>
-                <a:gridCol w="829501"/>
-                <a:gridCol w="716598"/>
+                <a:gridCol w="907034"/>
+                <a:gridCol w="1158304"/>
               </a:tblGrid>
               <a:tr h="370840">
                 <a:tc>
@@ -9544,7 +9574,7 @@
                     <a:p>
                       <a:r>
                         <a:rPr lang="sv-SE" sz="1400" dirty="0" smtClean="0"/>
-                        <a:t>TeltypID</a:t>
+                        <a:t>KontypID</a:t>
                       </a:r>
                       <a:endParaRPr lang="sv-SE" sz="1400" dirty="0"/>
                     </a:p>
@@ -9595,7 +9625,7 @@
                     <a:p>
                       <a:r>
                         <a:rPr lang="sv-SE" sz="1400" dirty="0" smtClean="0"/>
-                        <a:t>Teltyp</a:t>
+                        <a:t>Kontyp</a:t>
                       </a:r>
                       <a:endParaRPr lang="sv-SE" sz="1400" dirty="0"/>
                     </a:p>
@@ -9670,7 +9700,7 @@
                     <a:p>
                       <a:r>
                         <a:rPr lang="sv-SE" sz="1400" dirty="0" smtClean="0"/>
-                        <a:t>Mobil</a:t>
+                        <a:t>Mobiltelefon</a:t>
                       </a:r>
                       <a:endParaRPr lang="sv-SE" sz="1400" dirty="0"/>
                     </a:p>
@@ -9710,7 +9740,7 @@
                     <a:p>
                       <a:r>
                         <a:rPr lang="sv-SE" sz="1400" dirty="0" smtClean="0"/>
-                        <a:t>Hem</a:t>
+                        <a:t>E-post</a:t>
                       </a:r>
                       <a:endParaRPr lang="sv-SE" sz="1400" dirty="0"/>
                     </a:p>
@@ -9731,13 +9761,13 @@
           <p:nvPr>
             <p:extLst>
               <p:ext uri="{D42A27DB-BD31-4B8C-83A1-F6EECF244321}">
-                <p14:modId xmlns:p14="http://schemas.microsoft.com/office/powerpoint/2010/main" val="141925320"/>
+                <p14:modId xmlns:p14="http://schemas.microsoft.com/office/powerpoint/2010/main" val="3083166426"/>
               </p:ext>
             </p:extLst>
           </p:nvPr>
         </p:nvGraphicFramePr>
         <p:xfrm>
-          <a:off x="5076056" y="2045479"/>
+          <a:off x="6156176" y="2058381"/>
           <a:ext cx="1683386" cy="1112520"/>
         </p:xfrm>
         <a:graphic>
@@ -9944,7 +9974,7 @@
         </p:nvSpPr>
         <p:spPr>
           <a:xfrm>
-            <a:off x="5004048" y="1760418"/>
+            <a:off x="6084168" y="1773320"/>
             <a:ext cx="1368152" cy="307777"/>
           </a:xfrm>
           <a:prstGeom prst="rect">
@@ -11728,11 +11758,7 @@
           <a:p>
             <a:r>
               <a:rPr lang="sv-SE" sz="1400" b="1" dirty="0" smtClean="0"/>
-              <a:t>Medlemsa</a:t>
-            </a:r>
-            <a:r>
-              <a:rPr lang="sv-SE" sz="1400" b="1" dirty="0" smtClean="0"/>
-              <a:t>ktivitet</a:t>
+              <a:t>Medlemsaktivitet</a:t>
             </a:r>
             <a:endParaRPr lang="sv-SE" sz="1400" b="1" dirty="0"/>
           </a:p>
@@ -11796,9 +11822,93 @@
             </a:r>
             <a:r>
               <a:rPr lang="sv-SE" b="1" dirty="0" smtClean="0"/>
-              <a:t>. Mockup m. Funktionsbeskrivning &amp; indatakontroller</a:t>
+              <a:t>. </a:t>
+            </a:r>
+            <a:r>
+              <a:rPr lang="sv-SE" b="1" dirty="0" smtClean="0"/>
+              <a:t>Mockup Formulär – Funktionalitet - Validering</a:t>
             </a:r>
             <a:endParaRPr lang="sv-SE" b="1" dirty="0"/>
+          </a:p>
+        </p:txBody>
+      </p:sp>
+      <p:sp>
+        <p:nvSpPr>
+          <p:cNvPr id="4" name="TextBox 3"/>
+          <p:cNvSpPr txBox="1"/>
+          <p:nvPr/>
+        </p:nvSpPr>
+        <p:spPr>
+          <a:xfrm>
+            <a:off x="395536" y="980728"/>
+            <a:ext cx="3168352" cy="2123658"/>
+          </a:xfrm>
+          <a:prstGeom prst="rect">
+            <a:avLst/>
+          </a:prstGeom>
+          <a:noFill/>
+          <a:ln>
+            <a:solidFill>
+              <a:schemeClr val="tx2">
+                <a:lumMod val="40000"/>
+                <a:lumOff val="60000"/>
+              </a:schemeClr>
+            </a:solidFill>
+          </a:ln>
+        </p:spPr>
+        <p:txBody>
+          <a:bodyPr wrap="square" rtlCol="0">
+            <a:spAutoFit/>
+          </a:bodyPr>
+          <a:lstStyle/>
+          <a:p>
+            <a:r>
+              <a:rPr lang="sv-SE" sz="1600" b="1" dirty="0" smtClean="0"/>
+              <a:t>Medlem</a:t>
+            </a:r>
+          </a:p>
+          <a:p>
+            <a:endParaRPr lang="sv-SE" b="1" dirty="0"/>
+          </a:p>
+          <a:p>
+            <a:r>
+              <a:rPr lang="sv-SE" sz="1400" b="1" dirty="0" smtClean="0"/>
+              <a:t>Förnamn &amp; Efternamn</a:t>
+            </a:r>
+          </a:p>
+          <a:p>
+            <a:r>
+              <a:rPr lang="sv-SE" sz="1400" smtClean="0"/>
+              <a:t>Erik	Karlsson</a:t>
+            </a:r>
+            <a:endParaRPr lang="sv-SE" sz="1400" dirty="0" smtClean="0"/>
+          </a:p>
+          <a:p>
+            <a:r>
+              <a:rPr lang="sv-SE" sz="1400" b="1" dirty="0" smtClean="0"/>
+              <a:t>Adress</a:t>
+            </a:r>
+          </a:p>
+          <a:p>
+            <a:r>
+              <a:rPr lang="sv-SE" sz="1400" dirty="0" smtClean="0"/>
+              <a:t>Pärongatan 6</a:t>
+            </a:r>
+          </a:p>
+          <a:p>
+            <a:r>
+              <a:rPr lang="sv-SE" sz="1400" b="1" dirty="0" smtClean="0"/>
+              <a:t>Postnummer &amp; Ort</a:t>
+            </a:r>
+          </a:p>
+          <a:p>
+            <a:r>
+              <a:rPr lang="sv-SE" sz="1400" dirty="0" smtClean="0"/>
+              <a:t>39230	Kalmar</a:t>
+            </a:r>
+          </a:p>
+          <a:p>
+            <a:endParaRPr lang="sv-SE" sz="1400" dirty="0"/>
           </a:p>
         </p:txBody>
       </p:sp>

--- a/Projekt/AKS Steg 1.pptx
+++ b/Projekt/AKS Steg 1.pptx
@@ -4,6 +4,9 @@
   <p:sldMasterIdLst>
     <p:sldMasterId id="2147483648" r:id="rId1"/>
   </p:sldMasterIdLst>
+  <p:notesMasterIdLst>
+    <p:notesMasterId r:id="rId8"/>
+  </p:notesMasterIdLst>
   <p:sldIdLst>
     <p:sldId id="256" r:id="rId2"/>
     <p:sldId id="257" r:id="rId3"/>
@@ -110,6 +113,440 @@
     </a:lvl9pPr>
   </p:defaultTextStyle>
 </p:presentation>
+</file>
+
+<file path=ppt/notesMasters/notesMaster1.xml><?xml version="1.0" encoding="utf-8"?>
+<p:notesMaster xmlns:a="http://schemas.openxmlformats.org/drawingml/2006/main" xmlns:r="http://schemas.openxmlformats.org/officeDocument/2006/relationships" xmlns:p="http://schemas.openxmlformats.org/presentationml/2006/main">
+  <p:cSld>
+    <p:bg>
+      <p:bgRef idx="1001">
+        <a:schemeClr val="bg1"/>
+      </p:bgRef>
+    </p:bg>
+    <p:spTree>
+      <p:nvGrpSpPr>
+        <p:cNvPr id="1" name=""/>
+        <p:cNvGrpSpPr/>
+        <p:nvPr/>
+      </p:nvGrpSpPr>
+      <p:grpSpPr>
+        <a:xfrm>
+          <a:off x="0" y="0"/>
+          <a:ext cx="0" cy="0"/>
+          <a:chOff x="0" y="0"/>
+          <a:chExt cx="0" cy="0"/>
+        </a:xfrm>
+      </p:grpSpPr>
+      <p:sp>
+        <p:nvSpPr>
+          <p:cNvPr id="2" name="Header Placeholder 1"/>
+          <p:cNvSpPr>
+            <a:spLocks noGrp="1"/>
+          </p:cNvSpPr>
+          <p:nvPr>
+            <p:ph type="hdr" sz="quarter"/>
+          </p:nvPr>
+        </p:nvSpPr>
+        <p:spPr>
+          <a:xfrm>
+            <a:off x="0" y="0"/>
+            <a:ext cx="2971800" cy="457200"/>
+          </a:xfrm>
+          <a:prstGeom prst="rect">
+            <a:avLst/>
+          </a:prstGeom>
+        </p:spPr>
+        <p:txBody>
+          <a:bodyPr vert="horz" lIns="91440" tIns="45720" rIns="91440" bIns="45720" rtlCol="0"/>
+          <a:lstStyle>
+            <a:lvl1pPr algn="l">
+              <a:defRPr sz="1200"/>
+            </a:lvl1pPr>
+          </a:lstStyle>
+          <a:p>
+            <a:endParaRPr lang="sv-SE"/>
+          </a:p>
+        </p:txBody>
+      </p:sp>
+      <p:sp>
+        <p:nvSpPr>
+          <p:cNvPr id="3" name="Date Placeholder 2"/>
+          <p:cNvSpPr>
+            <a:spLocks noGrp="1"/>
+          </p:cNvSpPr>
+          <p:nvPr>
+            <p:ph type="dt" idx="1"/>
+          </p:nvPr>
+        </p:nvSpPr>
+        <p:spPr>
+          <a:xfrm>
+            <a:off x="3884613" y="0"/>
+            <a:ext cx="2971800" cy="457200"/>
+          </a:xfrm>
+          <a:prstGeom prst="rect">
+            <a:avLst/>
+          </a:prstGeom>
+        </p:spPr>
+        <p:txBody>
+          <a:bodyPr vert="horz" lIns="91440" tIns="45720" rIns="91440" bIns="45720" rtlCol="0"/>
+          <a:lstStyle>
+            <a:lvl1pPr algn="r">
+              <a:defRPr sz="1200"/>
+            </a:lvl1pPr>
+          </a:lstStyle>
+          <a:p>
+            <a:fld id="{9E0D3FA6-6BD8-4A75-86C6-1513716F594C}" type="datetimeFigureOut">
+              <a:rPr lang="sv-SE" smtClean="0"/>
+              <a:t>2014-02-24</a:t>
+            </a:fld>
+            <a:endParaRPr lang="sv-SE"/>
+          </a:p>
+        </p:txBody>
+      </p:sp>
+      <p:sp>
+        <p:nvSpPr>
+          <p:cNvPr id="4" name="Slide Image Placeholder 3"/>
+          <p:cNvSpPr>
+            <a:spLocks noGrp="1" noRot="1" noChangeAspect="1"/>
+          </p:cNvSpPr>
+          <p:nvPr>
+            <p:ph type="sldImg" idx="2"/>
+          </p:nvPr>
+        </p:nvSpPr>
+        <p:spPr>
+          <a:xfrm>
+            <a:off x="1143000" y="685800"/>
+            <a:ext cx="4572000" cy="3429000"/>
+          </a:xfrm>
+          <a:prstGeom prst="rect">
+            <a:avLst/>
+          </a:prstGeom>
+          <a:noFill/>
+          <a:ln w="12700">
+            <a:solidFill>
+              <a:prstClr val="black"/>
+            </a:solidFill>
+          </a:ln>
+        </p:spPr>
+        <p:txBody>
+          <a:bodyPr vert="horz" lIns="91440" tIns="45720" rIns="91440" bIns="45720" rtlCol="0" anchor="ctr"/>
+          <a:lstStyle/>
+          <a:p>
+            <a:endParaRPr lang="sv-SE"/>
+          </a:p>
+        </p:txBody>
+      </p:sp>
+      <p:sp>
+        <p:nvSpPr>
+          <p:cNvPr id="5" name="Notes Placeholder 4"/>
+          <p:cNvSpPr>
+            <a:spLocks noGrp="1"/>
+          </p:cNvSpPr>
+          <p:nvPr>
+            <p:ph type="body" sz="quarter" idx="3"/>
+          </p:nvPr>
+        </p:nvSpPr>
+        <p:spPr>
+          <a:xfrm>
+            <a:off x="685800" y="4343400"/>
+            <a:ext cx="5486400" cy="4114800"/>
+          </a:xfrm>
+          <a:prstGeom prst="rect">
+            <a:avLst/>
+          </a:prstGeom>
+        </p:spPr>
+        <p:txBody>
+          <a:bodyPr vert="horz" lIns="91440" tIns="45720" rIns="91440" bIns="45720" rtlCol="0"/>
+          <a:lstStyle/>
+          <a:p>
+            <a:pPr lvl="0"/>
+            <a:r>
+              <a:rPr lang="en-US" smtClean="0"/>
+              <a:t>Click to edit Master text styles</a:t>
+            </a:r>
+          </a:p>
+          <a:p>
+            <a:pPr lvl="1"/>
+            <a:r>
+              <a:rPr lang="en-US" smtClean="0"/>
+              <a:t>Second level</a:t>
+            </a:r>
+          </a:p>
+          <a:p>
+            <a:pPr lvl="2"/>
+            <a:r>
+              <a:rPr lang="en-US" smtClean="0"/>
+              <a:t>Third level</a:t>
+            </a:r>
+          </a:p>
+          <a:p>
+            <a:pPr lvl="3"/>
+            <a:r>
+              <a:rPr lang="en-US" smtClean="0"/>
+              <a:t>Fourth level</a:t>
+            </a:r>
+          </a:p>
+          <a:p>
+            <a:pPr lvl="4"/>
+            <a:r>
+              <a:rPr lang="en-US" smtClean="0"/>
+              <a:t>Fifth level</a:t>
+            </a:r>
+            <a:endParaRPr lang="sv-SE"/>
+          </a:p>
+        </p:txBody>
+      </p:sp>
+      <p:sp>
+        <p:nvSpPr>
+          <p:cNvPr id="6" name="Footer Placeholder 5"/>
+          <p:cNvSpPr>
+            <a:spLocks noGrp="1"/>
+          </p:cNvSpPr>
+          <p:nvPr>
+            <p:ph type="ftr" sz="quarter" idx="4"/>
+          </p:nvPr>
+        </p:nvSpPr>
+        <p:spPr>
+          <a:xfrm>
+            <a:off x="0" y="8685213"/>
+            <a:ext cx="2971800" cy="457200"/>
+          </a:xfrm>
+          <a:prstGeom prst="rect">
+            <a:avLst/>
+          </a:prstGeom>
+        </p:spPr>
+        <p:txBody>
+          <a:bodyPr vert="horz" lIns="91440" tIns="45720" rIns="91440" bIns="45720" rtlCol="0" anchor="b"/>
+          <a:lstStyle>
+            <a:lvl1pPr algn="l">
+              <a:defRPr sz="1200"/>
+            </a:lvl1pPr>
+          </a:lstStyle>
+          <a:p>
+            <a:endParaRPr lang="sv-SE"/>
+          </a:p>
+        </p:txBody>
+      </p:sp>
+      <p:sp>
+        <p:nvSpPr>
+          <p:cNvPr id="7" name="Slide Number Placeholder 6"/>
+          <p:cNvSpPr>
+            <a:spLocks noGrp="1"/>
+          </p:cNvSpPr>
+          <p:nvPr>
+            <p:ph type="sldNum" sz="quarter" idx="5"/>
+          </p:nvPr>
+        </p:nvSpPr>
+        <p:spPr>
+          <a:xfrm>
+            <a:off x="3884613" y="8685213"/>
+            <a:ext cx="2971800" cy="457200"/>
+          </a:xfrm>
+          <a:prstGeom prst="rect">
+            <a:avLst/>
+          </a:prstGeom>
+        </p:spPr>
+        <p:txBody>
+          <a:bodyPr vert="horz" lIns="91440" tIns="45720" rIns="91440" bIns="45720" rtlCol="0" anchor="b"/>
+          <a:lstStyle>
+            <a:lvl1pPr algn="r">
+              <a:defRPr sz="1200"/>
+            </a:lvl1pPr>
+          </a:lstStyle>
+          <a:p>
+            <a:fld id="{330C696D-12F2-4B44-A318-BFDECFA3AA63}" type="slidenum">
+              <a:rPr lang="sv-SE" smtClean="0"/>
+              <a:t>‹#›</a:t>
+            </a:fld>
+            <a:endParaRPr lang="sv-SE"/>
+          </a:p>
+        </p:txBody>
+      </p:sp>
+    </p:spTree>
+    <p:extLst>
+      <p:ext uri="{BB962C8B-B14F-4D97-AF65-F5344CB8AC3E}">
+        <p14:creationId xmlns:p14="http://schemas.microsoft.com/office/powerpoint/2010/main" val="2952807828"/>
+      </p:ext>
+    </p:extLst>
+  </p:cSld>
+  <p:clrMap bg1="lt1" tx1="dk1" bg2="lt2" tx2="dk2" accent1="accent1" accent2="accent2" accent3="accent3" accent4="accent4" accent5="accent5" accent6="accent6" hlink="hlink" folHlink="folHlink"/>
+  <p:notesStyle>
+    <a:lvl1pPr marL="0" algn="l" defTabSz="914400" rtl="0" eaLnBrk="1" latinLnBrk="0" hangingPunct="1">
+      <a:defRPr sz="1200" kern="1200">
+        <a:solidFill>
+          <a:schemeClr val="tx1"/>
+        </a:solidFill>
+        <a:latin typeface="+mn-lt"/>
+        <a:ea typeface="+mn-ea"/>
+        <a:cs typeface="+mn-cs"/>
+      </a:defRPr>
+    </a:lvl1pPr>
+    <a:lvl2pPr marL="457200" algn="l" defTabSz="914400" rtl="0" eaLnBrk="1" latinLnBrk="0" hangingPunct="1">
+      <a:defRPr sz="1200" kern="1200">
+        <a:solidFill>
+          <a:schemeClr val="tx1"/>
+        </a:solidFill>
+        <a:latin typeface="+mn-lt"/>
+        <a:ea typeface="+mn-ea"/>
+        <a:cs typeface="+mn-cs"/>
+      </a:defRPr>
+    </a:lvl2pPr>
+    <a:lvl3pPr marL="914400" algn="l" defTabSz="914400" rtl="0" eaLnBrk="1" latinLnBrk="0" hangingPunct="1">
+      <a:defRPr sz="1200" kern="1200">
+        <a:solidFill>
+          <a:schemeClr val="tx1"/>
+        </a:solidFill>
+        <a:latin typeface="+mn-lt"/>
+        <a:ea typeface="+mn-ea"/>
+        <a:cs typeface="+mn-cs"/>
+      </a:defRPr>
+    </a:lvl3pPr>
+    <a:lvl4pPr marL="1371600" algn="l" defTabSz="914400" rtl="0" eaLnBrk="1" latinLnBrk="0" hangingPunct="1">
+      <a:defRPr sz="1200" kern="1200">
+        <a:solidFill>
+          <a:schemeClr val="tx1"/>
+        </a:solidFill>
+        <a:latin typeface="+mn-lt"/>
+        <a:ea typeface="+mn-ea"/>
+        <a:cs typeface="+mn-cs"/>
+      </a:defRPr>
+    </a:lvl4pPr>
+    <a:lvl5pPr marL="1828800" algn="l" defTabSz="914400" rtl="0" eaLnBrk="1" latinLnBrk="0" hangingPunct="1">
+      <a:defRPr sz="1200" kern="1200">
+        <a:solidFill>
+          <a:schemeClr val="tx1"/>
+        </a:solidFill>
+        <a:latin typeface="+mn-lt"/>
+        <a:ea typeface="+mn-ea"/>
+        <a:cs typeface="+mn-cs"/>
+      </a:defRPr>
+    </a:lvl5pPr>
+    <a:lvl6pPr marL="2286000" algn="l" defTabSz="914400" rtl="0" eaLnBrk="1" latinLnBrk="0" hangingPunct="1">
+      <a:defRPr sz="1200" kern="1200">
+        <a:solidFill>
+          <a:schemeClr val="tx1"/>
+        </a:solidFill>
+        <a:latin typeface="+mn-lt"/>
+        <a:ea typeface="+mn-ea"/>
+        <a:cs typeface="+mn-cs"/>
+      </a:defRPr>
+    </a:lvl6pPr>
+    <a:lvl7pPr marL="2743200" algn="l" defTabSz="914400" rtl="0" eaLnBrk="1" latinLnBrk="0" hangingPunct="1">
+      <a:defRPr sz="1200" kern="1200">
+        <a:solidFill>
+          <a:schemeClr val="tx1"/>
+        </a:solidFill>
+        <a:latin typeface="+mn-lt"/>
+        <a:ea typeface="+mn-ea"/>
+        <a:cs typeface="+mn-cs"/>
+      </a:defRPr>
+    </a:lvl7pPr>
+    <a:lvl8pPr marL="3200400" algn="l" defTabSz="914400" rtl="0" eaLnBrk="1" latinLnBrk="0" hangingPunct="1">
+      <a:defRPr sz="1200" kern="1200">
+        <a:solidFill>
+          <a:schemeClr val="tx1"/>
+        </a:solidFill>
+        <a:latin typeface="+mn-lt"/>
+        <a:ea typeface="+mn-ea"/>
+        <a:cs typeface="+mn-cs"/>
+      </a:defRPr>
+    </a:lvl8pPr>
+    <a:lvl9pPr marL="3657600" algn="l" defTabSz="914400" rtl="0" eaLnBrk="1" latinLnBrk="0" hangingPunct="1">
+      <a:defRPr sz="1200" kern="1200">
+        <a:solidFill>
+          <a:schemeClr val="tx1"/>
+        </a:solidFill>
+        <a:latin typeface="+mn-lt"/>
+        <a:ea typeface="+mn-ea"/>
+        <a:cs typeface="+mn-cs"/>
+      </a:defRPr>
+    </a:lvl9pPr>
+  </p:notesStyle>
+</p:notesMaster>
+</file>
+
+<file path=ppt/notesSlides/notesSlide1.xml><?xml version="1.0" encoding="utf-8"?>
+<p:notes xmlns:a="http://schemas.openxmlformats.org/drawingml/2006/main" xmlns:r="http://schemas.openxmlformats.org/officeDocument/2006/relationships" xmlns:p="http://schemas.openxmlformats.org/presentationml/2006/main">
+  <p:cSld>
+    <p:spTree>
+      <p:nvGrpSpPr>
+        <p:cNvPr id="1" name=""/>
+        <p:cNvGrpSpPr/>
+        <p:nvPr/>
+      </p:nvGrpSpPr>
+      <p:grpSpPr>
+        <a:xfrm>
+          <a:off x="0" y="0"/>
+          <a:ext cx="0" cy="0"/>
+          <a:chOff x="0" y="0"/>
+          <a:chExt cx="0" cy="0"/>
+        </a:xfrm>
+      </p:grpSpPr>
+      <p:sp>
+        <p:nvSpPr>
+          <p:cNvPr id="2" name="Slide Image Placeholder 1"/>
+          <p:cNvSpPr>
+            <a:spLocks noGrp="1" noRot="1" noChangeAspect="1"/>
+          </p:cNvSpPr>
+          <p:nvPr>
+            <p:ph type="sldImg"/>
+          </p:nvPr>
+        </p:nvSpPr>
+        <p:spPr/>
+      </p:sp>
+      <p:sp>
+        <p:nvSpPr>
+          <p:cNvPr id="3" name="Notes Placeholder 2"/>
+          <p:cNvSpPr>
+            <a:spLocks noGrp="1"/>
+          </p:cNvSpPr>
+          <p:nvPr>
+            <p:ph type="body" idx="1"/>
+          </p:nvPr>
+        </p:nvSpPr>
+        <p:spPr/>
+        <p:txBody>
+          <a:bodyPr/>
+          <a:lstStyle/>
+          <a:p>
+            <a:endParaRPr lang="sv-SE" dirty="0"/>
+          </a:p>
+        </p:txBody>
+      </p:sp>
+      <p:sp>
+        <p:nvSpPr>
+          <p:cNvPr id="4" name="Slide Number Placeholder 3"/>
+          <p:cNvSpPr>
+            <a:spLocks noGrp="1"/>
+          </p:cNvSpPr>
+          <p:nvPr>
+            <p:ph type="sldNum" sz="quarter" idx="10"/>
+          </p:nvPr>
+        </p:nvSpPr>
+        <p:spPr/>
+        <p:txBody>
+          <a:bodyPr/>
+          <a:lstStyle/>
+          <a:p>
+            <a:fld id="{330C696D-12F2-4B44-A318-BFDECFA3AA63}" type="slidenum">
+              <a:rPr lang="sv-SE" smtClean="0"/>
+              <a:t>6</a:t>
+            </a:fld>
+            <a:endParaRPr lang="sv-SE"/>
+          </a:p>
+        </p:txBody>
+      </p:sp>
+    </p:spTree>
+    <p:extLst>
+      <p:ext uri="{BB962C8B-B14F-4D97-AF65-F5344CB8AC3E}">
+        <p14:creationId xmlns:p14="http://schemas.microsoft.com/office/powerpoint/2010/main" val="1730761637"/>
+      </p:ext>
+    </p:extLst>
+  </p:cSld>
+  <p:clrMapOvr>
+    <a:masterClrMapping/>
+  </p:clrMapOvr>
+</p:notes>
 </file>
 
 <file path=ppt/slideLayouts/slideLayout1.xml><?xml version="1.0" encoding="utf-8"?>
@@ -293,7 +730,7 @@
           <a:p>
             <a:fld id="{169002D7-BADA-406C-8738-AD8EA12ED786}" type="datetimeFigureOut">
               <a:rPr lang="sv-SE" smtClean="0"/>
-              <a:t>2014-02-22</a:t>
+              <a:t>2014-02-24</a:t>
             </a:fld>
             <a:endParaRPr lang="sv-SE"/>
           </a:p>
@@ -463,7 +900,7 @@
           <a:p>
             <a:fld id="{169002D7-BADA-406C-8738-AD8EA12ED786}" type="datetimeFigureOut">
               <a:rPr lang="sv-SE" smtClean="0"/>
-              <a:t>2014-02-22</a:t>
+              <a:t>2014-02-24</a:t>
             </a:fld>
             <a:endParaRPr lang="sv-SE"/>
           </a:p>
@@ -643,7 +1080,7 @@
           <a:p>
             <a:fld id="{169002D7-BADA-406C-8738-AD8EA12ED786}" type="datetimeFigureOut">
               <a:rPr lang="sv-SE" smtClean="0"/>
-              <a:t>2014-02-22</a:t>
+              <a:t>2014-02-24</a:t>
             </a:fld>
             <a:endParaRPr lang="sv-SE"/>
           </a:p>
@@ -813,7 +1250,7 @@
           <a:p>
             <a:fld id="{169002D7-BADA-406C-8738-AD8EA12ED786}" type="datetimeFigureOut">
               <a:rPr lang="sv-SE" smtClean="0"/>
-              <a:t>2014-02-22</a:t>
+              <a:t>2014-02-24</a:t>
             </a:fld>
             <a:endParaRPr lang="sv-SE"/>
           </a:p>
@@ -1059,7 +1496,7 @@
           <a:p>
             <a:fld id="{169002D7-BADA-406C-8738-AD8EA12ED786}" type="datetimeFigureOut">
               <a:rPr lang="sv-SE" smtClean="0"/>
-              <a:t>2014-02-22</a:t>
+              <a:t>2014-02-24</a:t>
             </a:fld>
             <a:endParaRPr lang="sv-SE"/>
           </a:p>
@@ -1347,7 +1784,7 @@
           <a:p>
             <a:fld id="{169002D7-BADA-406C-8738-AD8EA12ED786}" type="datetimeFigureOut">
               <a:rPr lang="sv-SE" smtClean="0"/>
-              <a:t>2014-02-22</a:t>
+              <a:t>2014-02-24</a:t>
             </a:fld>
             <a:endParaRPr lang="sv-SE"/>
           </a:p>
@@ -1769,7 +2206,7 @@
           <a:p>
             <a:fld id="{169002D7-BADA-406C-8738-AD8EA12ED786}" type="datetimeFigureOut">
               <a:rPr lang="sv-SE" smtClean="0"/>
-              <a:t>2014-02-22</a:t>
+              <a:t>2014-02-24</a:t>
             </a:fld>
             <a:endParaRPr lang="sv-SE"/>
           </a:p>
@@ -1887,7 +2324,7 @@
           <a:p>
             <a:fld id="{169002D7-BADA-406C-8738-AD8EA12ED786}" type="datetimeFigureOut">
               <a:rPr lang="sv-SE" smtClean="0"/>
-              <a:t>2014-02-22</a:t>
+              <a:t>2014-02-24</a:t>
             </a:fld>
             <a:endParaRPr lang="sv-SE"/>
           </a:p>
@@ -1982,7 +2419,7 @@
           <a:p>
             <a:fld id="{169002D7-BADA-406C-8738-AD8EA12ED786}" type="datetimeFigureOut">
               <a:rPr lang="sv-SE" smtClean="0"/>
-              <a:t>2014-02-22</a:t>
+              <a:t>2014-02-24</a:t>
             </a:fld>
             <a:endParaRPr lang="sv-SE"/>
           </a:p>
@@ -2259,7 +2696,7 @@
           <a:p>
             <a:fld id="{169002D7-BADA-406C-8738-AD8EA12ED786}" type="datetimeFigureOut">
               <a:rPr lang="sv-SE" smtClean="0"/>
-              <a:t>2014-02-22</a:t>
+              <a:t>2014-02-24</a:t>
             </a:fld>
             <a:endParaRPr lang="sv-SE"/>
           </a:p>
@@ -2512,7 +2949,7 @@
           <a:p>
             <a:fld id="{169002D7-BADA-406C-8738-AD8EA12ED786}" type="datetimeFigureOut">
               <a:rPr lang="sv-SE" smtClean="0"/>
-              <a:t>2014-02-22</a:t>
+              <a:t>2014-02-24</a:t>
             </a:fld>
             <a:endParaRPr lang="sv-SE"/>
           </a:p>
@@ -2725,7 +3162,7 @@
           <a:p>
             <a:fld id="{169002D7-BADA-406C-8738-AD8EA12ED786}" type="datetimeFigureOut">
               <a:rPr lang="sv-SE" smtClean="0"/>
-              <a:t>2014-02-22</a:t>
+              <a:t>2014-02-24</a:t>
             </a:fld>
             <a:endParaRPr lang="sv-SE"/>
           </a:p>
@@ -5210,11 +5647,7 @@
             <a:pPr algn="ctr"/>
             <a:r>
               <a:rPr lang="sv-SE" sz="1600" dirty="0" smtClean="0"/>
-              <a:t>Kontakt</a:t>
-            </a:r>
-            <a:r>
-              <a:rPr lang="sv-SE" sz="1600" dirty="0" smtClean="0"/>
-              <a:t>typ</a:t>
+              <a:t>Kontakttyp</a:t>
             </a:r>
             <a:endParaRPr lang="sv-SE" sz="1600" dirty="0"/>
           </a:p>
@@ -5572,20 +6005,11 @@
               <a:rPr lang="sv-SE" sz="1400" b="1" dirty="0" smtClean="0"/>
               <a:t>Kontakt</a:t>
             </a:r>
-            <a:endParaRPr lang="sv-SE" sz="1400" b="1" dirty="0" smtClean="0"/>
           </a:p>
           <a:p>
             <a:r>
               <a:rPr lang="sv-SE" sz="1400" dirty="0" smtClean="0"/>
-              <a:t>Kon</a:t>
-            </a:r>
-            <a:r>
-              <a:rPr lang="sv-SE" sz="1400" dirty="0" smtClean="0"/>
-              <a:t>ID </a:t>
-            </a:r>
-            <a:r>
-              <a:rPr lang="sv-SE" sz="1400" dirty="0" smtClean="0"/>
-              <a:t>Pk, Int</a:t>
+              <a:t>KonID Pk, Int</a:t>
             </a:r>
             <a:endParaRPr lang="sv-SE" sz="1400" dirty="0"/>
           </a:p>
@@ -5598,15 +6022,7 @@
           <a:p>
             <a:r>
               <a:rPr lang="sv-SE" sz="1400" dirty="0" smtClean="0"/>
-              <a:t>Kon</a:t>
-            </a:r>
-            <a:r>
-              <a:rPr lang="sv-SE" sz="1400" dirty="0" smtClean="0"/>
-              <a:t>typID </a:t>
-            </a:r>
-            <a:r>
-              <a:rPr lang="sv-SE" sz="1400" dirty="0" smtClean="0"/>
-              <a:t>Fk, Int</a:t>
+              <a:t>KontypID Fk, Int</a:t>
             </a:r>
             <a:endParaRPr lang="sv-SE" sz="1400" dirty="0"/>
           </a:p>
@@ -5642,22 +6058,13 @@
           <a:p>
             <a:r>
               <a:rPr lang="sv-SE" sz="1400" b="1" dirty="0" smtClean="0"/>
-              <a:t>Kontakt</a:t>
-            </a:r>
-            <a:r>
-              <a:rPr lang="sv-SE" sz="1400" b="1" dirty="0" smtClean="0"/>
-              <a:t>typ</a:t>
-            </a:r>
-            <a:endParaRPr lang="sv-SE" sz="1400" b="1" dirty="0" smtClean="0"/>
+              <a:t>Kontakttyp</a:t>
+            </a:r>
           </a:p>
           <a:p>
             <a:r>
               <a:rPr lang="sv-SE" sz="1400" dirty="0" smtClean="0"/>
-              <a:t>Kon</a:t>
-            </a:r>
-            <a:r>
-              <a:rPr lang="sv-SE" sz="1400" dirty="0" smtClean="0"/>
-              <a:t>typID </a:t>
+              <a:t>KontypID </a:t>
             </a:r>
             <a:r>
               <a:rPr lang="sv-SE" sz="1400" dirty="0"/>
@@ -5671,15 +6078,7 @@
           <a:p>
             <a:r>
               <a:rPr lang="sv-SE" sz="1400" dirty="0" smtClean="0"/>
-              <a:t>Kon</a:t>
-            </a:r>
-            <a:r>
-              <a:rPr lang="sv-SE" sz="1400" dirty="0" smtClean="0"/>
-              <a:t>typ</a:t>
-            </a:r>
-            <a:r>
-              <a:rPr lang="sv-SE" sz="1400" dirty="0" smtClean="0"/>
-              <a:t>, VC(10)</a:t>
+              <a:t>Kontyp, VC(10)</a:t>
             </a:r>
             <a:endParaRPr lang="sv-SE" sz="1400" dirty="0"/>
           </a:p>
@@ -7028,11 +7427,7 @@
             <a:pPr algn="ctr"/>
             <a:r>
               <a:rPr lang="sv-SE" sz="1600" dirty="0" smtClean="0"/>
-              <a:t>Kontakt</a:t>
-            </a:r>
-            <a:r>
-              <a:rPr lang="sv-SE" sz="1600" dirty="0" smtClean="0"/>
-              <a:t>typ</a:t>
+              <a:t>Kontakttyp</a:t>
             </a:r>
             <a:endParaRPr lang="sv-SE" sz="1600" dirty="0"/>
           </a:p>
@@ -7496,20 +7891,11 @@
               <a:rPr lang="sv-SE" sz="1400" b="1" dirty="0" smtClean="0"/>
               <a:t>Kontakt</a:t>
             </a:r>
-            <a:endParaRPr lang="sv-SE" sz="1400" b="1" dirty="0" smtClean="0"/>
           </a:p>
           <a:p>
             <a:r>
               <a:rPr lang="sv-SE" sz="1400" dirty="0" smtClean="0"/>
-              <a:t>Kon</a:t>
-            </a:r>
-            <a:r>
-              <a:rPr lang="sv-SE" sz="1400" dirty="0" smtClean="0"/>
-              <a:t>ID </a:t>
-            </a:r>
-            <a:r>
-              <a:rPr lang="sv-SE" sz="1400" dirty="0" smtClean="0"/>
-              <a:t>Pk, Int</a:t>
+              <a:t>KonID Pk, Int</a:t>
             </a:r>
             <a:endParaRPr lang="sv-SE" sz="1400" dirty="0"/>
           </a:p>
@@ -7522,28 +7908,15 @@
           <a:p>
             <a:r>
               <a:rPr lang="sv-SE" sz="1400" dirty="0" smtClean="0"/>
-              <a:t>Kontyp</a:t>
-            </a:r>
+              <a:t>KontypID Fk, Int</a:t>
+            </a:r>
+            <a:endParaRPr lang="sv-SE" sz="1400" dirty="0"/>
+          </a:p>
+          <a:p>
             <a:r>
               <a:rPr lang="sv-SE" sz="1400" dirty="0" smtClean="0"/>
-              <a:t>ID </a:t>
-            </a:r>
-            <a:r>
-              <a:rPr lang="sv-SE" sz="1400" dirty="0" smtClean="0"/>
-              <a:t>Fk, Int</a:t>
-            </a:r>
-            <a:endParaRPr lang="sv-SE" sz="1400" dirty="0"/>
-          </a:p>
-          <a:p>
-            <a:r>
-              <a:rPr lang="sv-SE" sz="1400" dirty="0" smtClean="0"/>
-              <a:t>Kontaktuppgift</a:t>
-            </a:r>
-            <a:r>
-              <a:rPr lang="sv-SE" sz="1400" dirty="0" smtClean="0"/>
-              <a:t>, VC(25)</a:t>
-            </a:r>
-            <a:endParaRPr lang="sv-SE" sz="1400" dirty="0" smtClean="0"/>
+              <a:t>Kontaktuppgift, VC(25)</a:t>
+            </a:r>
           </a:p>
         </p:txBody>
       </p:sp>
@@ -7571,22 +7944,13 @@
           <a:p>
             <a:r>
               <a:rPr lang="sv-SE" sz="1400" b="1" dirty="0" smtClean="0"/>
-              <a:t>Kontakt</a:t>
-            </a:r>
-            <a:r>
-              <a:rPr lang="sv-SE" sz="1400" b="1" dirty="0" smtClean="0"/>
-              <a:t>typ</a:t>
-            </a:r>
-            <a:endParaRPr lang="sv-SE" sz="1400" b="1" dirty="0" smtClean="0"/>
+              <a:t>Kontakttyp</a:t>
+            </a:r>
           </a:p>
           <a:p>
             <a:r>
               <a:rPr lang="sv-SE" sz="1400" dirty="0" smtClean="0"/>
-              <a:t>Kontyp</a:t>
-            </a:r>
-            <a:r>
-              <a:rPr lang="sv-SE" sz="1400" dirty="0" smtClean="0"/>
-              <a:t>ID </a:t>
+              <a:t>KontypID </a:t>
             </a:r>
             <a:r>
               <a:rPr lang="sv-SE" sz="1400" dirty="0"/>
@@ -7600,15 +7964,7 @@
           <a:p>
             <a:r>
               <a:rPr lang="sv-SE" sz="1400" dirty="0" smtClean="0"/>
-              <a:t>Kon</a:t>
-            </a:r>
-            <a:r>
-              <a:rPr lang="sv-SE" sz="1400" dirty="0" smtClean="0"/>
-              <a:t>typ</a:t>
-            </a:r>
-            <a:r>
-              <a:rPr lang="sv-SE" sz="1400" dirty="0" smtClean="0"/>
-              <a:t>, VC(10)</a:t>
+              <a:t>Kontyp, VC(10)</a:t>
             </a:r>
             <a:endParaRPr lang="sv-SE" sz="1400" dirty="0"/>
           </a:p>
@@ -9528,11 +9884,7 @@
           <a:p>
             <a:r>
               <a:rPr lang="sv-SE" sz="1400" b="1" dirty="0" smtClean="0"/>
-              <a:t>Kontakt</a:t>
-            </a:r>
-            <a:r>
-              <a:rPr lang="sv-SE" sz="1400" b="1" dirty="0" smtClean="0"/>
-              <a:t>typ</a:t>
+              <a:t>Kontakttyp</a:t>
             </a:r>
             <a:endParaRPr lang="sv-SE" sz="1400" b="1" dirty="0"/>
           </a:p>
@@ -11796,13 +12148,427 @@
       </p:grpSpPr>
       <p:sp>
         <p:nvSpPr>
+          <p:cNvPr id="17" name="Rectangle 16"/>
+          <p:cNvSpPr/>
+          <p:nvPr/>
+        </p:nvSpPr>
+        <p:spPr>
+          <a:xfrm>
+            <a:off x="6565131" y="1342668"/>
+            <a:ext cx="659675" cy="216024"/>
+          </a:xfrm>
+          <a:prstGeom prst="rect">
+            <a:avLst/>
+          </a:prstGeom>
+          <a:solidFill>
+            <a:schemeClr val="accent1">
+              <a:lumMod val="20000"/>
+              <a:lumOff val="80000"/>
+            </a:schemeClr>
+          </a:solidFill>
+        </p:spPr>
+        <p:style>
+          <a:lnRef idx="2">
+            <a:schemeClr val="accent1">
+              <a:shade val="50000"/>
+            </a:schemeClr>
+          </a:lnRef>
+          <a:fillRef idx="1">
+            <a:schemeClr val="accent1"/>
+          </a:fillRef>
+          <a:effectRef idx="0">
+            <a:schemeClr val="accent1"/>
+          </a:effectRef>
+          <a:fontRef idx="minor">
+            <a:schemeClr val="lt1"/>
+          </a:fontRef>
+        </p:style>
+        <p:txBody>
+          <a:bodyPr rtlCol="0" anchor="ctr"/>
+          <a:lstStyle/>
+          <a:p>
+            <a:pPr algn="ctr"/>
+            <a:endParaRPr lang="sv-SE"/>
+          </a:p>
+        </p:txBody>
+      </p:sp>
+      <p:sp>
+        <p:nvSpPr>
+          <p:cNvPr id="6" name="Rectangle 5"/>
+          <p:cNvSpPr/>
+          <p:nvPr/>
+        </p:nvSpPr>
+        <p:spPr>
+          <a:xfrm>
+            <a:off x="5700842" y="886925"/>
+            <a:ext cx="2952328" cy="3701468"/>
+          </a:xfrm>
+          <a:prstGeom prst="rect">
+            <a:avLst/>
+          </a:prstGeom>
+          <a:solidFill>
+            <a:schemeClr val="accent1">
+              <a:lumMod val="40000"/>
+              <a:lumOff val="60000"/>
+            </a:schemeClr>
+          </a:solidFill>
+        </p:spPr>
+        <p:style>
+          <a:lnRef idx="2">
+            <a:schemeClr val="accent1">
+              <a:shade val="50000"/>
+            </a:schemeClr>
+          </a:lnRef>
+          <a:fillRef idx="1">
+            <a:schemeClr val="accent1"/>
+          </a:fillRef>
+          <a:effectRef idx="0">
+            <a:schemeClr val="accent1"/>
+          </a:effectRef>
+          <a:fontRef idx="minor">
+            <a:schemeClr val="lt1"/>
+          </a:fontRef>
+        </p:style>
+        <p:txBody>
+          <a:bodyPr rtlCol="0" anchor="ctr"/>
+          <a:lstStyle/>
+          <a:p>
+            <a:pPr algn="ctr"/>
+            <a:endParaRPr lang="sv-SE"/>
+          </a:p>
+        </p:txBody>
+      </p:sp>
+      <p:sp>
+        <p:nvSpPr>
+          <p:cNvPr id="19" name="Rectangle 18"/>
+          <p:cNvSpPr/>
+          <p:nvPr/>
+        </p:nvSpPr>
+        <p:spPr>
+          <a:xfrm>
+            <a:off x="7386229" y="3717602"/>
+            <a:ext cx="984466" cy="204112"/>
+          </a:xfrm>
+          <a:prstGeom prst="rect">
+            <a:avLst/>
+          </a:prstGeom>
+          <a:solidFill>
+            <a:schemeClr val="accent1">
+              <a:lumMod val="20000"/>
+              <a:lumOff val="80000"/>
+            </a:schemeClr>
+          </a:solidFill>
+        </p:spPr>
+        <p:style>
+          <a:lnRef idx="2">
+            <a:schemeClr val="accent1">
+              <a:shade val="50000"/>
+            </a:schemeClr>
+          </a:lnRef>
+          <a:fillRef idx="1">
+            <a:schemeClr val="accent1"/>
+          </a:fillRef>
+          <a:effectRef idx="0">
+            <a:schemeClr val="accent1"/>
+          </a:effectRef>
+          <a:fontRef idx="minor">
+            <a:schemeClr val="lt1"/>
+          </a:fontRef>
+        </p:style>
+        <p:txBody>
+          <a:bodyPr rtlCol="0" anchor="ctr"/>
+          <a:lstStyle/>
+          <a:p>
+            <a:pPr algn="ctr"/>
+            <a:endParaRPr lang="sv-SE"/>
+          </a:p>
+        </p:txBody>
+      </p:sp>
+      <p:sp>
+        <p:nvSpPr>
+          <p:cNvPr id="16" name="Rectangle 15"/>
+          <p:cNvSpPr/>
+          <p:nvPr/>
+        </p:nvSpPr>
+        <p:spPr>
+          <a:xfrm>
+            <a:off x="6519777" y="2946120"/>
+            <a:ext cx="779948" cy="277867"/>
+          </a:xfrm>
+          <a:prstGeom prst="rect">
+            <a:avLst/>
+          </a:prstGeom>
+          <a:solidFill>
+            <a:schemeClr val="accent1">
+              <a:lumMod val="20000"/>
+              <a:lumOff val="80000"/>
+            </a:schemeClr>
+          </a:solidFill>
+        </p:spPr>
+        <p:style>
+          <a:lnRef idx="2">
+            <a:schemeClr val="accent1">
+              <a:shade val="50000"/>
+            </a:schemeClr>
+          </a:lnRef>
+          <a:fillRef idx="1">
+            <a:schemeClr val="accent1"/>
+          </a:fillRef>
+          <a:effectRef idx="0">
+            <a:schemeClr val="accent1"/>
+          </a:effectRef>
+          <a:fontRef idx="minor">
+            <a:schemeClr val="lt1"/>
+          </a:fontRef>
+        </p:style>
+        <p:txBody>
+          <a:bodyPr rtlCol="0" anchor="ctr"/>
+          <a:lstStyle/>
+          <a:p>
+            <a:pPr algn="ctr"/>
+            <a:endParaRPr lang="sv-SE"/>
+          </a:p>
+        </p:txBody>
+      </p:sp>
+      <p:sp>
+        <p:nvSpPr>
+          <p:cNvPr id="18" name="Rectangle 17"/>
+          <p:cNvSpPr/>
+          <p:nvPr/>
+        </p:nvSpPr>
+        <p:spPr>
+          <a:xfrm>
+            <a:off x="6591545" y="1323329"/>
+            <a:ext cx="633261" cy="235363"/>
+          </a:xfrm>
+          <a:prstGeom prst="rect">
+            <a:avLst/>
+          </a:prstGeom>
+          <a:solidFill>
+            <a:schemeClr val="accent1">
+              <a:lumMod val="20000"/>
+              <a:lumOff val="80000"/>
+            </a:schemeClr>
+          </a:solidFill>
+        </p:spPr>
+        <p:style>
+          <a:lnRef idx="2">
+            <a:schemeClr val="accent1">
+              <a:shade val="50000"/>
+            </a:schemeClr>
+          </a:lnRef>
+          <a:fillRef idx="1">
+            <a:schemeClr val="accent1"/>
+          </a:fillRef>
+          <a:effectRef idx="0">
+            <a:schemeClr val="accent1"/>
+          </a:effectRef>
+          <a:fontRef idx="minor">
+            <a:schemeClr val="lt1"/>
+          </a:fontRef>
+        </p:style>
+        <p:txBody>
+          <a:bodyPr rtlCol="0" anchor="ctr"/>
+          <a:lstStyle/>
+          <a:p>
+            <a:pPr algn="ctr"/>
+            <a:endParaRPr lang="sv-SE"/>
+          </a:p>
+        </p:txBody>
+      </p:sp>
+      <p:sp>
+        <p:nvSpPr>
+          <p:cNvPr id="15" name="Rectangle 14"/>
+          <p:cNvSpPr/>
+          <p:nvPr/>
+        </p:nvSpPr>
+        <p:spPr>
+          <a:xfrm>
+            <a:off x="5761246" y="3717601"/>
+            <a:ext cx="1559897" cy="277867"/>
+          </a:xfrm>
+          <a:prstGeom prst="rect">
+            <a:avLst/>
+          </a:prstGeom>
+          <a:solidFill>
+            <a:schemeClr val="accent1">
+              <a:lumMod val="20000"/>
+              <a:lumOff val="80000"/>
+            </a:schemeClr>
+          </a:solidFill>
+        </p:spPr>
+        <p:style>
+          <a:lnRef idx="2">
+            <a:schemeClr val="accent1">
+              <a:shade val="50000"/>
+            </a:schemeClr>
+          </a:lnRef>
+          <a:fillRef idx="1">
+            <a:schemeClr val="accent1"/>
+          </a:fillRef>
+          <a:effectRef idx="0">
+            <a:schemeClr val="accent1"/>
+          </a:effectRef>
+          <a:fontRef idx="minor">
+            <a:schemeClr val="lt1"/>
+          </a:fontRef>
+        </p:style>
+        <p:txBody>
+          <a:bodyPr rtlCol="0" anchor="ctr"/>
+          <a:lstStyle/>
+          <a:p>
+            <a:pPr algn="ctr"/>
+            <a:endParaRPr lang="sv-SE"/>
+          </a:p>
+        </p:txBody>
+      </p:sp>
+      <p:sp>
+        <p:nvSpPr>
+          <p:cNvPr id="13" name="Rectangle 12"/>
+          <p:cNvSpPr/>
+          <p:nvPr/>
+        </p:nvSpPr>
+        <p:spPr>
+          <a:xfrm>
+            <a:off x="5746289" y="2946120"/>
+            <a:ext cx="633261" cy="277867"/>
+          </a:xfrm>
+          <a:prstGeom prst="rect">
+            <a:avLst/>
+          </a:prstGeom>
+          <a:solidFill>
+            <a:schemeClr val="accent1">
+              <a:lumMod val="20000"/>
+              <a:lumOff val="80000"/>
+            </a:schemeClr>
+          </a:solidFill>
+        </p:spPr>
+        <p:style>
+          <a:lnRef idx="2">
+            <a:schemeClr val="accent1">
+              <a:shade val="50000"/>
+            </a:schemeClr>
+          </a:lnRef>
+          <a:fillRef idx="1">
+            <a:schemeClr val="accent1"/>
+          </a:fillRef>
+          <a:effectRef idx="0">
+            <a:schemeClr val="accent1"/>
+          </a:effectRef>
+          <a:fontRef idx="minor">
+            <a:schemeClr val="lt1"/>
+          </a:fontRef>
+        </p:style>
+        <p:txBody>
+          <a:bodyPr rtlCol="0" anchor="ctr"/>
+          <a:lstStyle/>
+          <a:p>
+            <a:pPr algn="ctr"/>
+            <a:endParaRPr lang="sv-SE"/>
+          </a:p>
+        </p:txBody>
+      </p:sp>
+      <p:sp>
+        <p:nvSpPr>
+          <p:cNvPr id="14" name="Rectangle 13"/>
+          <p:cNvSpPr/>
+          <p:nvPr/>
+        </p:nvSpPr>
+        <p:spPr>
+          <a:xfrm>
+            <a:off x="5746288" y="2413293"/>
+            <a:ext cx="1559897" cy="277867"/>
+          </a:xfrm>
+          <a:prstGeom prst="rect">
+            <a:avLst/>
+          </a:prstGeom>
+          <a:solidFill>
+            <a:schemeClr val="accent1">
+              <a:lumMod val="20000"/>
+              <a:lumOff val="80000"/>
+            </a:schemeClr>
+          </a:solidFill>
+        </p:spPr>
+        <p:style>
+          <a:lnRef idx="2">
+            <a:schemeClr val="accent1">
+              <a:shade val="50000"/>
+            </a:schemeClr>
+          </a:lnRef>
+          <a:fillRef idx="1">
+            <a:schemeClr val="accent1"/>
+          </a:fillRef>
+          <a:effectRef idx="0">
+            <a:schemeClr val="accent1"/>
+          </a:effectRef>
+          <a:fontRef idx="minor">
+            <a:schemeClr val="lt1"/>
+          </a:fontRef>
+        </p:style>
+        <p:txBody>
+          <a:bodyPr rtlCol="0" anchor="ctr"/>
+          <a:lstStyle/>
+          <a:p>
+            <a:pPr algn="ctr"/>
+            <a:endParaRPr lang="sv-SE"/>
+          </a:p>
+        </p:txBody>
+      </p:sp>
+      <p:sp>
+        <p:nvSpPr>
+          <p:cNvPr id="10" name="Rectangle 9"/>
+          <p:cNvSpPr/>
+          <p:nvPr/>
+        </p:nvSpPr>
+        <p:spPr>
+          <a:xfrm>
+            <a:off x="5746289" y="1866000"/>
+            <a:ext cx="1559897" cy="260701"/>
+          </a:xfrm>
+          <a:prstGeom prst="rect">
+            <a:avLst/>
+          </a:prstGeom>
+          <a:solidFill>
+            <a:schemeClr val="accent1">
+              <a:lumMod val="20000"/>
+              <a:lumOff val="80000"/>
+            </a:schemeClr>
+          </a:solidFill>
+        </p:spPr>
+        <p:style>
+          <a:lnRef idx="2">
+            <a:schemeClr val="accent1">
+              <a:shade val="50000"/>
+            </a:schemeClr>
+          </a:lnRef>
+          <a:fillRef idx="1">
+            <a:schemeClr val="accent1"/>
+          </a:fillRef>
+          <a:effectRef idx="0">
+            <a:schemeClr val="accent1"/>
+          </a:effectRef>
+          <a:fontRef idx="minor">
+            <a:schemeClr val="lt1"/>
+          </a:fontRef>
+        </p:style>
+        <p:txBody>
+          <a:bodyPr rtlCol="0" anchor="ctr"/>
+          <a:lstStyle/>
+          <a:p>
+            <a:pPr algn="ctr"/>
+            <a:endParaRPr lang="sv-SE"/>
+          </a:p>
+        </p:txBody>
+      </p:sp>
+      <p:sp>
+        <p:nvSpPr>
           <p:cNvPr id="2" name="TextBox 1"/>
           <p:cNvSpPr txBox="1"/>
           <p:nvPr/>
         </p:nvSpPr>
         <p:spPr>
           <a:xfrm>
-            <a:off x="179512" y="260648"/>
+            <a:off x="22579" y="0"/>
             <a:ext cx="6480720" cy="369332"/>
           </a:xfrm>
           <a:prstGeom prst="rect">
@@ -11822,13 +12588,55 @@
             </a:r>
             <a:r>
               <a:rPr lang="sv-SE" b="1" dirty="0" smtClean="0"/>
-              <a:t>. </a:t>
-            </a:r>
-            <a:r>
-              <a:rPr lang="sv-SE" b="1" dirty="0" smtClean="0"/>
-              <a:t>Mockup Formulär – Funktionalitet - Validering</a:t>
+              <a:t>. Mockup Formulär – Funktionalitet - Validering</a:t>
             </a:r>
             <a:endParaRPr lang="sv-SE" b="1" dirty="0"/>
+          </a:p>
+        </p:txBody>
+      </p:sp>
+      <p:sp>
+        <p:nvSpPr>
+          <p:cNvPr id="7" name="Rectangle 6"/>
+          <p:cNvSpPr/>
+          <p:nvPr/>
+        </p:nvSpPr>
+        <p:spPr>
+          <a:xfrm>
+            <a:off x="5761247" y="1342668"/>
+            <a:ext cx="659675" cy="216024"/>
+          </a:xfrm>
+          <a:prstGeom prst="rect">
+            <a:avLst/>
+          </a:prstGeom>
+          <a:solidFill>
+            <a:schemeClr val="accent1">
+              <a:lumMod val="20000"/>
+              <a:lumOff val="80000"/>
+            </a:schemeClr>
+          </a:solidFill>
+        </p:spPr>
+        <p:style>
+          <a:lnRef idx="2">
+            <a:schemeClr val="accent1">
+              <a:shade val="50000"/>
+            </a:schemeClr>
+          </a:lnRef>
+          <a:fillRef idx="1">
+            <a:schemeClr val="accent1"/>
+          </a:fillRef>
+          <a:effectRef idx="0">
+            <a:schemeClr val="accent1"/>
+          </a:effectRef>
+          <a:fontRef idx="minor">
+            <a:schemeClr val="lt1"/>
+          </a:fontRef>
+        </p:style>
+        <p:txBody>
+          <a:bodyPr rtlCol="0" anchor="ctr"/>
+          <a:lstStyle/>
+          <a:p>
+            <a:pPr algn="ctr"/>
+            <a:endParaRPr lang="sv-SE"/>
           </a:p>
         </p:txBody>
       </p:sp>
@@ -11840,21 +12648,130 @@
         </p:nvSpPr>
         <p:spPr>
           <a:xfrm>
-            <a:off x="395536" y="980728"/>
-            <a:ext cx="3168352" cy="2123658"/>
+            <a:off x="5697442" y="886925"/>
+            <a:ext cx="1656184" cy="3108543"/>
           </a:xfrm>
           <a:prstGeom prst="rect">
             <a:avLst/>
           </a:prstGeom>
           <a:noFill/>
           <a:ln>
-            <a:solidFill>
-              <a:schemeClr val="tx2">
-                <a:lumMod val="40000"/>
-                <a:lumOff val="60000"/>
-              </a:schemeClr>
-            </a:solidFill>
+            <a:noFill/>
           </a:ln>
+        </p:spPr>
+        <p:txBody>
+          <a:bodyPr wrap="square" numCol="1" rtlCol="0">
+            <a:spAutoFit/>
+          </a:bodyPr>
+          <a:lstStyle/>
+          <a:p>
+            <a:r>
+              <a:rPr lang="sv-SE" sz="1400" b="1" u="sng" dirty="0" smtClean="0"/>
+              <a:t>Medlem</a:t>
+            </a:r>
+            <a:endParaRPr lang="sv-SE" sz="1600" b="1" u="sng" dirty="0"/>
+          </a:p>
+          <a:p>
+            <a:r>
+              <a:rPr lang="sv-SE" sz="1200" b="1" dirty="0" smtClean="0"/>
+              <a:t>Förnamn &amp; Efternamn</a:t>
+            </a:r>
+          </a:p>
+          <a:p>
+            <a:r>
+              <a:rPr lang="sv-SE" sz="1200" dirty="0" smtClean="0"/>
+              <a:t>Erik                  Karlsson</a:t>
+            </a:r>
+          </a:p>
+          <a:p>
+            <a:endParaRPr lang="sv-SE" sz="1200" b="1" dirty="0" smtClean="0"/>
+          </a:p>
+          <a:p>
+            <a:r>
+              <a:rPr lang="sv-SE" sz="1200" b="1" dirty="0" smtClean="0"/>
+              <a:t>Personnummer</a:t>
+            </a:r>
+          </a:p>
+          <a:p>
+            <a:r>
+              <a:rPr lang="sv-SE" sz="1200" dirty="0" smtClean="0"/>
+              <a:t>780231-4033</a:t>
+            </a:r>
+            <a:endParaRPr lang="sv-SE" sz="1200" dirty="0" smtClean="0"/>
+          </a:p>
+          <a:p>
+            <a:endParaRPr lang="sv-SE" sz="1200" b="1" dirty="0" smtClean="0"/>
+          </a:p>
+          <a:p>
+            <a:r>
+              <a:rPr lang="sv-SE" sz="1200" b="1" dirty="0" smtClean="0"/>
+              <a:t>Adress</a:t>
+            </a:r>
+            <a:endParaRPr lang="sv-SE" sz="1200" b="1" dirty="0" smtClean="0"/>
+          </a:p>
+          <a:p>
+            <a:r>
+              <a:rPr lang="sv-SE" sz="1200" dirty="0" smtClean="0"/>
+              <a:t>Pärongatan 6</a:t>
+            </a:r>
+          </a:p>
+          <a:p>
+            <a:endParaRPr lang="sv-SE" sz="1200" b="1" dirty="0" smtClean="0"/>
+          </a:p>
+          <a:p>
+            <a:r>
+              <a:rPr lang="sv-SE" sz="1200" b="1" dirty="0" smtClean="0"/>
+              <a:t>Postnummer </a:t>
+            </a:r>
+            <a:r>
+              <a:rPr lang="sv-SE" sz="1200" b="1" dirty="0" smtClean="0"/>
+              <a:t>&amp; Ort</a:t>
+            </a:r>
+          </a:p>
+          <a:p>
+            <a:r>
+              <a:rPr lang="sv-SE" sz="1200" dirty="0" smtClean="0"/>
+              <a:t>39230           Kalmar</a:t>
+            </a:r>
+          </a:p>
+          <a:p>
+            <a:endParaRPr lang="sv-SE" sz="1200" dirty="0" smtClean="0"/>
+          </a:p>
+          <a:p>
+            <a:r>
+              <a:rPr lang="sv-SE" sz="1400" b="1" u="sng" dirty="0" smtClean="0"/>
+              <a:t>Befattning</a:t>
+            </a:r>
+          </a:p>
+          <a:p>
+            <a:r>
+              <a:rPr lang="sv-SE" sz="1200" b="1" dirty="0" smtClean="0"/>
+              <a:t>Befattningstyp</a:t>
+            </a:r>
+          </a:p>
+          <a:p>
+            <a:r>
+              <a:rPr lang="sv-SE" sz="1200" dirty="0" smtClean="0"/>
+              <a:t>Ordförande</a:t>
+            </a:r>
+          </a:p>
+        </p:txBody>
+      </p:sp>
+      <p:sp>
+        <p:nvSpPr>
+          <p:cNvPr id="3" name="TextBox 2"/>
+          <p:cNvSpPr txBox="1"/>
+          <p:nvPr/>
+        </p:nvSpPr>
+        <p:spPr>
+          <a:xfrm>
+            <a:off x="51471" y="421181"/>
+            <a:ext cx="2448272" cy="307777"/>
+          </a:xfrm>
+          <a:prstGeom prst="rect">
+            <a:avLst/>
+          </a:prstGeom>
+          <a:noFill/>
         </p:spPr>
         <p:txBody>
           <a:bodyPr wrap="square" rtlCol="0">
@@ -11863,52 +12780,816 @@
           <a:lstStyle/>
           <a:p>
             <a:r>
-              <a:rPr lang="sv-SE" sz="1600" b="1" dirty="0" smtClean="0"/>
-              <a:t>Medlem</a:t>
-            </a:r>
-          </a:p>
-          <a:p>
-            <a:endParaRPr lang="sv-SE" b="1" dirty="0"/>
-          </a:p>
-          <a:p>
-            <a:r>
               <a:rPr lang="sv-SE" sz="1400" b="1" dirty="0" smtClean="0"/>
-              <a:t>Förnamn &amp; Efternamn</a:t>
-            </a:r>
-          </a:p>
-          <a:p>
-            <a:r>
-              <a:rPr lang="sv-SE" sz="1400" smtClean="0"/>
-              <a:t>Erik	Karlsson</a:t>
-            </a:r>
-            <a:endParaRPr lang="sv-SE" sz="1400" dirty="0" smtClean="0"/>
-          </a:p>
+              <a:t>Formulär 6.1 - Medlem</a:t>
+            </a:r>
+            <a:endParaRPr lang="sv-SE" sz="1400" b="1" dirty="0"/>
+          </a:p>
+        </p:txBody>
+      </p:sp>
+      <p:sp>
+        <p:nvSpPr>
+          <p:cNvPr id="21" name="Rectangle 20"/>
+          <p:cNvSpPr/>
+          <p:nvPr/>
+        </p:nvSpPr>
+        <p:spPr>
+          <a:xfrm>
+            <a:off x="7386229" y="4318127"/>
+            <a:ext cx="984466" cy="219139"/>
+          </a:xfrm>
+          <a:prstGeom prst="rect">
+            <a:avLst/>
+          </a:prstGeom>
+          <a:solidFill>
+            <a:schemeClr val="accent1">
+              <a:lumMod val="20000"/>
+              <a:lumOff val="80000"/>
+            </a:schemeClr>
+          </a:solidFill>
+        </p:spPr>
+        <p:style>
+          <a:lnRef idx="2">
+            <a:schemeClr val="accent1">
+              <a:shade val="50000"/>
+            </a:schemeClr>
+          </a:lnRef>
+          <a:fillRef idx="1">
+            <a:schemeClr val="accent1"/>
+          </a:fillRef>
+          <a:effectRef idx="0">
+            <a:schemeClr val="accent1"/>
+          </a:effectRef>
+          <a:fontRef idx="minor">
+            <a:schemeClr val="lt1"/>
+          </a:fontRef>
+        </p:style>
+        <p:txBody>
+          <a:bodyPr rtlCol="0" anchor="ctr"/>
+          <a:lstStyle/>
+          <a:p>
+            <a:pPr algn="ctr"/>
+            <a:endParaRPr lang="sv-SE"/>
+          </a:p>
+        </p:txBody>
+      </p:sp>
+      <p:sp>
+        <p:nvSpPr>
+          <p:cNvPr id="5" name="TextBox 4"/>
+          <p:cNvSpPr txBox="1"/>
+          <p:nvPr/>
+        </p:nvSpPr>
+        <p:spPr>
+          <a:xfrm>
+            <a:off x="7323909" y="3306160"/>
+            <a:ext cx="1518093" cy="1231106"/>
+          </a:xfrm>
+          <a:prstGeom prst="rect">
+            <a:avLst/>
+          </a:prstGeom>
+          <a:noFill/>
+        </p:spPr>
+        <p:txBody>
+          <a:bodyPr wrap="square" rtlCol="0">
+            <a:spAutoFit/>
+          </a:bodyPr>
+          <a:lstStyle/>
+          <a:p>
+            <a:r>
+              <a:rPr lang="sv-SE" sz="1400" b="1" u="sng" dirty="0"/>
+              <a:t>Kontakt</a:t>
+            </a:r>
+          </a:p>
+          <a:p>
+            <a:r>
+              <a:rPr lang="sv-SE" sz="1200" b="1" dirty="0"/>
+              <a:t>Kontaktuppgift</a:t>
+            </a:r>
+          </a:p>
+          <a:p>
+            <a:r>
+              <a:rPr lang="sv-SE" sz="1200" dirty="0"/>
+              <a:t>erik@ak.se</a:t>
+            </a:r>
+          </a:p>
+          <a:p>
+            <a:endParaRPr lang="sv-SE" sz="1200" b="1" dirty="0" smtClean="0"/>
+          </a:p>
+          <a:p>
+            <a:r>
+              <a:rPr lang="sv-SE" sz="1200" b="1" dirty="0" smtClean="0"/>
+              <a:t>Typ</a:t>
+            </a:r>
+            <a:endParaRPr lang="sv-SE" sz="1200" b="1" dirty="0"/>
+          </a:p>
+          <a:p>
+            <a:r>
+              <a:rPr lang="sv-SE" sz="1200" dirty="0" smtClean="0"/>
+              <a:t>E-post</a:t>
+            </a:r>
+            <a:endParaRPr lang="sv-SE" sz="1200" dirty="0"/>
+          </a:p>
+        </p:txBody>
+      </p:sp>
+      <p:sp>
+        <p:nvSpPr>
+          <p:cNvPr id="22" name="TextBox 21"/>
+          <p:cNvSpPr txBox="1"/>
+          <p:nvPr/>
+        </p:nvSpPr>
+        <p:spPr>
+          <a:xfrm>
+            <a:off x="51469" y="628235"/>
+            <a:ext cx="8841009" cy="1200329"/>
+          </a:xfrm>
+          <a:prstGeom prst="rect">
+            <a:avLst/>
+          </a:prstGeom>
+          <a:noFill/>
+        </p:spPr>
+        <p:txBody>
+          <a:bodyPr wrap="square" rtlCol="0">
+            <a:spAutoFit/>
+          </a:bodyPr>
+          <a:lstStyle/>
+          <a:p>
+            <a:r>
+              <a:rPr lang="sv-SE" sz="1200" dirty="0" smtClean="0"/>
+              <a:t>När en medlem registreras behöver följande fält fyllas i. Utöver fälten i medlemstabellen måste befattningstypen och kontaktuppgifter läggas till.</a:t>
+            </a:r>
+          </a:p>
+          <a:p>
+            <a:endParaRPr lang="sv-SE" sz="1200" dirty="0"/>
+          </a:p>
+          <a:p>
+            <a:r>
+              <a:rPr lang="sv-SE" sz="1200" dirty="0" smtClean="0"/>
+              <a:t>Om en medlem raderas skall dess kontaktinformation att tas bort.</a:t>
+            </a:r>
+          </a:p>
+          <a:p>
+            <a:endParaRPr lang="sv-SE" sz="1200" dirty="0" smtClean="0"/>
+          </a:p>
+          <a:p>
+            <a:r>
+              <a:rPr lang="sv-SE" sz="1200" dirty="0" smtClean="0"/>
+              <a:t>Sortering ska normalt sett ligga på medlemmens efternamn.</a:t>
+            </a:r>
+          </a:p>
+        </p:txBody>
+      </p:sp>
+      <p:graphicFrame>
+        <p:nvGraphicFramePr>
+          <p:cNvPr id="23" name="Table 22"/>
+          <p:cNvGraphicFramePr>
+            <a:graphicFrameLocks noGrp="1"/>
+          </p:cNvGraphicFramePr>
+          <p:nvPr>
+            <p:extLst>
+              <p:ext uri="{D42A27DB-BD31-4B8C-83A1-F6EECF244321}">
+                <p14:modId xmlns:p14="http://schemas.microsoft.com/office/powerpoint/2010/main" val="801520641"/>
+              </p:ext>
+            </p:extLst>
+          </p:nvPr>
+        </p:nvGraphicFramePr>
+        <p:xfrm>
+          <a:off x="0" y="2002492"/>
+          <a:ext cx="5383276" cy="2831837"/>
+        </p:xfrm>
+        <a:graphic>
+          <a:graphicData uri="http://schemas.openxmlformats.org/drawingml/2006/table">
+            <a:tbl>
+              <a:tblPr firstRow="1" bandRow="1">
+                <a:tableStyleId>{5C22544A-7EE6-4342-B048-85BDC9FD1C3A}</a:tableStyleId>
+              </a:tblPr>
+              <a:tblGrid>
+                <a:gridCol w="1617853"/>
+                <a:gridCol w="3765423"/>
+              </a:tblGrid>
+              <a:tr h="239549">
+                <a:tc>
+                  <a:txBody>
+                    <a:bodyPr/>
+                    <a:lstStyle/>
+                    <a:p>
+                      <a:r>
+                        <a:rPr lang="sv-SE" sz="1200" b="1" dirty="0" smtClean="0"/>
+                        <a:t>Fält</a:t>
+                      </a:r>
+                      <a:endParaRPr lang="sv-SE" sz="1200" b="1" dirty="0"/>
+                    </a:p>
+                  </a:txBody>
+                  <a:tcPr/>
+                </a:tc>
+                <a:tc>
+                  <a:txBody>
+                    <a:bodyPr/>
+                    <a:lstStyle/>
+                    <a:p>
+                      <a:r>
+                        <a:rPr lang="sv-SE" sz="1200" dirty="0" smtClean="0"/>
+                        <a:t>Validering</a:t>
+                      </a:r>
+                      <a:endParaRPr lang="sv-SE" sz="1200" dirty="0"/>
+                    </a:p>
+                  </a:txBody>
+                  <a:tcPr/>
+                </a:tc>
+              </a:tr>
+              <a:tr h="253261">
+                <a:tc>
+                  <a:txBody>
+                    <a:bodyPr/>
+                    <a:lstStyle/>
+                    <a:p>
+                      <a:r>
+                        <a:rPr lang="sv-SE" sz="1200" b="1" dirty="0" smtClean="0"/>
+                        <a:t>MedID</a:t>
+                      </a:r>
+                      <a:endParaRPr lang="sv-SE" sz="1200" b="1" dirty="0"/>
+                    </a:p>
+                  </a:txBody>
+                  <a:tcPr/>
+                </a:tc>
+                <a:tc>
+                  <a:txBody>
+                    <a:bodyPr/>
+                    <a:lstStyle/>
+                    <a:p>
+                      <a:r>
+                        <a:rPr lang="sv-SE" sz="1200" dirty="0" smtClean="0"/>
+                        <a:t>Räknare, Pk.</a:t>
+                      </a:r>
+                      <a:r>
+                        <a:rPr lang="sv-SE" sz="1200" baseline="0" dirty="0" smtClean="0"/>
+                        <a:t> Unikt.</a:t>
+                      </a:r>
+                      <a:endParaRPr lang="sv-SE" sz="1200" dirty="0"/>
+                    </a:p>
+                  </a:txBody>
+                  <a:tcPr/>
+                </a:tc>
+              </a:tr>
+              <a:tr h="266973">
+                <a:tc>
+                  <a:txBody>
+                    <a:bodyPr/>
+                    <a:lstStyle/>
+                    <a:p>
+                      <a:r>
+                        <a:rPr lang="sv-SE" sz="1200" b="1" dirty="0" smtClean="0"/>
+                        <a:t>Fnamn</a:t>
+                      </a:r>
+                      <a:endParaRPr lang="sv-SE" sz="1200" b="1" dirty="0"/>
+                    </a:p>
+                  </a:txBody>
+                  <a:tcPr/>
+                </a:tc>
+                <a:tc>
+                  <a:txBody>
+                    <a:bodyPr/>
+                    <a:lstStyle/>
+                    <a:p>
+                      <a:r>
+                        <a:rPr lang="sv-SE" sz="1200" b="0" dirty="0" smtClean="0"/>
+                        <a:t>Ej Null.</a:t>
+                      </a:r>
+                      <a:endParaRPr lang="sv-SE" sz="1200" b="0" dirty="0"/>
+                    </a:p>
+                  </a:txBody>
+                  <a:tcPr/>
+                </a:tc>
+              </a:tr>
+              <a:tr h="280685">
+                <a:tc>
+                  <a:txBody>
+                    <a:bodyPr/>
+                    <a:lstStyle/>
+                    <a:p>
+                      <a:r>
+                        <a:rPr lang="sv-SE" sz="1200" b="1" dirty="0" smtClean="0"/>
+                        <a:t>Enamn</a:t>
+                      </a:r>
+                    </a:p>
+                  </a:txBody>
+                  <a:tcPr/>
+                </a:tc>
+                <a:tc>
+                  <a:txBody>
+                    <a:bodyPr/>
+                    <a:lstStyle/>
+                    <a:p>
+                      <a:r>
+                        <a:rPr lang="sv-SE" sz="1200" b="0" dirty="0" smtClean="0"/>
+                        <a:t>Ej Null.</a:t>
+                      </a:r>
+                      <a:endParaRPr lang="sv-SE" sz="1200" b="0" dirty="0"/>
+                    </a:p>
+                  </a:txBody>
+                  <a:tcPr/>
+                </a:tc>
+              </a:tr>
+              <a:tr h="288032">
+                <a:tc>
+                  <a:txBody>
+                    <a:bodyPr/>
+                    <a:lstStyle/>
+                    <a:p>
+                      <a:r>
+                        <a:rPr lang="sv-SE" sz="1200" b="1" dirty="0" smtClean="0"/>
+                        <a:t>Pers.nr</a:t>
+                      </a:r>
+                      <a:endParaRPr lang="sv-SE" sz="1200" b="1" dirty="0"/>
+                    </a:p>
+                  </a:txBody>
+                  <a:tcPr/>
+                </a:tc>
+                <a:tc>
+                  <a:txBody>
+                    <a:bodyPr/>
+                    <a:lstStyle/>
+                    <a:p>
+                      <a:r>
+                        <a:rPr lang="sv-SE" sz="1200" b="0" dirty="0" smtClean="0"/>
+                        <a:t>11 tecken</a:t>
+                      </a:r>
+                      <a:r>
+                        <a:rPr lang="sv-SE" sz="1200" b="0" baseline="0" dirty="0" smtClean="0"/>
+                        <a:t> </a:t>
+                      </a:r>
+                      <a:r>
+                        <a:rPr lang="sv-SE" sz="1200" b="0" dirty="0" smtClean="0"/>
+                        <a:t>i formatet XXXXXX-XXXX.</a:t>
+                      </a:r>
+                      <a:endParaRPr lang="sv-SE" sz="1200" b="0" dirty="0"/>
+                    </a:p>
+                  </a:txBody>
+                  <a:tcPr/>
+                </a:tc>
+              </a:tr>
+              <a:tr h="288032">
+                <a:tc>
+                  <a:txBody>
+                    <a:bodyPr/>
+                    <a:lstStyle/>
+                    <a:p>
+                      <a:r>
+                        <a:rPr lang="sv-SE" sz="1200" b="1" dirty="0" smtClean="0"/>
+                        <a:t>Adress</a:t>
+                      </a:r>
+                      <a:endParaRPr lang="sv-SE" sz="1200" b="1" dirty="0"/>
+                    </a:p>
+                  </a:txBody>
+                  <a:tcPr/>
+                </a:tc>
+                <a:tc>
+                  <a:txBody>
+                    <a:bodyPr/>
+                    <a:lstStyle/>
+                    <a:p>
+                      <a:r>
+                        <a:rPr lang="sv-SE" sz="1200" b="0" dirty="0" smtClean="0"/>
+                        <a:t>Ej Null.</a:t>
+                      </a:r>
+                      <a:endParaRPr lang="sv-SE" sz="1200" b="0" dirty="0"/>
+                    </a:p>
+                  </a:txBody>
+                  <a:tcPr/>
+                </a:tc>
+              </a:tr>
+              <a:tr h="288032">
+                <a:tc>
+                  <a:txBody>
+                    <a:bodyPr/>
+                    <a:lstStyle/>
+                    <a:p>
+                      <a:r>
+                        <a:rPr lang="sv-SE" sz="1200" b="1" dirty="0" smtClean="0"/>
+                        <a:t>Postnr</a:t>
+                      </a:r>
+                      <a:endParaRPr lang="sv-SE" sz="1200" b="1" dirty="0"/>
+                    </a:p>
+                  </a:txBody>
+                  <a:tcPr/>
+                </a:tc>
+                <a:tc>
+                  <a:txBody>
+                    <a:bodyPr/>
+                    <a:lstStyle/>
+                    <a:p>
+                      <a:r>
+                        <a:rPr lang="sv-SE" sz="1200" b="0" dirty="0" smtClean="0"/>
+                        <a:t>6 tecken</a:t>
+                      </a:r>
+                      <a:r>
+                        <a:rPr lang="sv-SE" sz="1200" b="0" baseline="0" dirty="0" smtClean="0"/>
+                        <a:t> i formatet XXXXX, utan mellanslag/bindestreck.</a:t>
+                      </a:r>
+                      <a:endParaRPr lang="sv-SE" sz="1200" b="0" dirty="0"/>
+                    </a:p>
+                  </a:txBody>
+                  <a:tcPr/>
+                </a:tc>
+              </a:tr>
+              <a:tr h="288032">
+                <a:tc>
+                  <a:txBody>
+                    <a:bodyPr/>
+                    <a:lstStyle/>
+                    <a:p>
+                      <a:r>
+                        <a:rPr lang="sv-SE" sz="1200" b="1" dirty="0" smtClean="0"/>
+                        <a:t>Befattningstyp (BefID)</a:t>
+                      </a:r>
+                      <a:endParaRPr lang="sv-SE" sz="1200" b="1" dirty="0"/>
+                    </a:p>
+                  </a:txBody>
+                  <a:tcPr/>
+                </a:tc>
+                <a:tc>
+                  <a:txBody>
+                    <a:bodyPr/>
+                    <a:lstStyle/>
+                    <a:p>
+                      <a:r>
+                        <a:rPr lang="sv-SE" sz="1200" dirty="0" smtClean="0"/>
+                        <a:t>Får inte vara null. Endast</a:t>
+                      </a:r>
+                      <a:r>
+                        <a:rPr lang="sv-SE" sz="1200" baseline="0" dirty="0" smtClean="0"/>
+                        <a:t> giltiga tecken (BefID) kan sparas.</a:t>
+                      </a:r>
+                      <a:endParaRPr lang="sv-SE" sz="1200" dirty="0"/>
+                    </a:p>
+                  </a:txBody>
+                  <a:tcPr/>
+                </a:tc>
+              </a:tr>
+              <a:tr h="288032">
+                <a:tc>
+                  <a:txBody>
+                    <a:bodyPr/>
+                    <a:lstStyle/>
+                    <a:p>
+                      <a:r>
+                        <a:rPr lang="sv-SE" sz="1200" b="1" dirty="0" smtClean="0"/>
+                        <a:t>Kontaktuppgift</a:t>
+                      </a:r>
+                      <a:endParaRPr lang="sv-SE" sz="1200" b="1" dirty="0"/>
+                    </a:p>
+                  </a:txBody>
+                  <a:tcPr/>
+                </a:tc>
+                <a:tc>
+                  <a:txBody>
+                    <a:bodyPr/>
+                    <a:lstStyle/>
+                    <a:p>
+                      <a:r>
+                        <a:rPr lang="sv-SE" sz="1200" dirty="0" smtClean="0"/>
+                        <a:t>Ej Null. Minst 8 tecken.</a:t>
+                      </a:r>
+                      <a:endParaRPr lang="sv-SE" sz="1200" dirty="0"/>
+                    </a:p>
+                  </a:txBody>
+                  <a:tcPr/>
+                </a:tc>
+              </a:tr>
+              <a:tr h="288032">
+                <a:tc>
+                  <a:txBody>
+                    <a:bodyPr/>
+                    <a:lstStyle/>
+                    <a:p>
+                      <a:r>
+                        <a:rPr lang="sv-SE" sz="1200" b="1" dirty="0" smtClean="0"/>
+                        <a:t>Kontakttyp (KontypID)</a:t>
+                      </a:r>
+                      <a:endParaRPr lang="sv-SE" sz="1200" b="1" dirty="0"/>
+                    </a:p>
+                  </a:txBody>
+                  <a:tcPr/>
+                </a:tc>
+                <a:tc>
+                  <a:txBody>
+                    <a:bodyPr/>
+                    <a:lstStyle/>
+                    <a:p>
+                      <a:r>
+                        <a:rPr lang="sv-SE" sz="1200" dirty="0" smtClean="0"/>
+                        <a:t>Ej </a:t>
+                      </a:r>
+                      <a:r>
+                        <a:rPr lang="sv-SE" sz="1200" baseline="0" dirty="0" smtClean="0"/>
+                        <a:t>Null. Endast giltiga tecken (KontypID) kan sparas.</a:t>
+                      </a:r>
+                      <a:endParaRPr lang="sv-SE" sz="1200" dirty="0"/>
+                    </a:p>
+                  </a:txBody>
+                  <a:tcPr/>
+                </a:tc>
+              </a:tr>
+            </a:tbl>
+          </a:graphicData>
+        </a:graphic>
+      </p:graphicFrame>
+      <p:sp>
+        <p:nvSpPr>
+          <p:cNvPr id="24" name="TextBox 23"/>
+          <p:cNvSpPr txBox="1"/>
+          <p:nvPr/>
+        </p:nvSpPr>
+        <p:spPr>
+          <a:xfrm>
+            <a:off x="-57290" y="1753158"/>
+            <a:ext cx="1656184" cy="307777"/>
+          </a:xfrm>
+          <a:prstGeom prst="rect">
+            <a:avLst/>
+          </a:prstGeom>
+          <a:noFill/>
+        </p:spPr>
+        <p:txBody>
+          <a:bodyPr wrap="square" rtlCol="0">
+            <a:spAutoFit/>
+          </a:bodyPr>
+          <a:lstStyle/>
           <a:p>
             <a:r>
               <a:rPr lang="sv-SE" sz="1400" b="1" dirty="0" smtClean="0"/>
-              <a:t>Adress</a:t>
-            </a:r>
-          </a:p>
-          <a:p>
-            <a:r>
-              <a:rPr lang="sv-SE" sz="1400" dirty="0" smtClean="0"/>
-              <a:t>Pärongatan 6</a:t>
-            </a:r>
-          </a:p>
+              <a:t>Validering</a:t>
+            </a:r>
+            <a:endParaRPr lang="sv-SE" sz="1200" b="1" dirty="0"/>
+          </a:p>
+        </p:txBody>
+      </p:sp>
+      <p:graphicFrame>
+        <p:nvGraphicFramePr>
+          <p:cNvPr id="26" name="Table 25"/>
+          <p:cNvGraphicFramePr>
+            <a:graphicFrameLocks noGrp="1"/>
+          </p:cNvGraphicFramePr>
+          <p:nvPr>
+            <p:extLst>
+              <p:ext uri="{D42A27DB-BD31-4B8C-83A1-F6EECF244321}">
+                <p14:modId xmlns:p14="http://schemas.microsoft.com/office/powerpoint/2010/main" val="1211593304"/>
+              </p:ext>
+            </p:extLst>
+          </p:nvPr>
+        </p:nvGraphicFramePr>
+        <p:xfrm>
+          <a:off x="0" y="5122468"/>
+          <a:ext cx="3707904" cy="1735532"/>
+        </p:xfrm>
+        <a:graphic>
+          <a:graphicData uri="http://schemas.openxmlformats.org/drawingml/2006/table">
+            <a:tbl>
+              <a:tblPr firstRow="1" bandRow="1">
+                <a:tableStyleId>{5C22544A-7EE6-4342-B048-85BDC9FD1C3A}</a:tableStyleId>
+              </a:tblPr>
+              <a:tblGrid>
+                <a:gridCol w="1525754"/>
+                <a:gridCol w="2182150"/>
+              </a:tblGrid>
+              <a:tr h="288032">
+                <a:tc>
+                  <a:txBody>
+                    <a:bodyPr/>
+                    <a:lstStyle/>
+                    <a:p>
+                      <a:r>
+                        <a:rPr lang="sv-SE" sz="1200" dirty="0" smtClean="0"/>
+                        <a:t>Fält</a:t>
+                      </a:r>
+                      <a:endParaRPr lang="sv-SE" sz="1200" dirty="0"/>
+                    </a:p>
+                  </a:txBody>
+                  <a:tcPr/>
+                </a:tc>
+                <a:tc>
+                  <a:txBody>
+                    <a:bodyPr/>
+                    <a:lstStyle/>
+                    <a:p>
+                      <a:r>
+                        <a:rPr lang="sv-SE" sz="1200" dirty="0" smtClean="0"/>
+                        <a:t>Validering</a:t>
+                      </a:r>
+                      <a:endParaRPr lang="sv-SE" sz="1200" dirty="0"/>
+                    </a:p>
+                  </a:txBody>
+                  <a:tcPr/>
+                </a:tc>
+              </a:tr>
+              <a:tr h="269580">
+                <a:tc>
+                  <a:txBody>
+                    <a:bodyPr/>
+                    <a:lstStyle/>
+                    <a:p>
+                      <a:r>
+                        <a:rPr lang="sv-SE" sz="1200" b="1" dirty="0" smtClean="0"/>
+                        <a:t>Kontakt.MedID</a:t>
+                      </a:r>
+                      <a:endParaRPr lang="sv-SE" sz="1200" b="1" dirty="0"/>
+                    </a:p>
+                  </a:txBody>
+                  <a:tcPr/>
+                </a:tc>
+                <a:tc>
+                  <a:txBody>
+                    <a:bodyPr/>
+                    <a:lstStyle/>
+                    <a:p>
+                      <a:r>
+                        <a:rPr lang="sv-SE" sz="1200" dirty="0" smtClean="0"/>
+                        <a:t>Fk,</a:t>
+                      </a:r>
+                      <a:r>
+                        <a:rPr lang="sv-SE" sz="1200" baseline="0" dirty="0" smtClean="0"/>
+                        <a:t> ej Null. Endast giltiga värden.</a:t>
+                      </a:r>
+                      <a:endParaRPr lang="sv-SE" sz="1200" dirty="0"/>
+                    </a:p>
+                  </a:txBody>
+                  <a:tcPr/>
+                </a:tc>
+              </a:tr>
+              <a:tr h="258780">
+                <a:tc>
+                  <a:txBody>
+                    <a:bodyPr/>
+                    <a:lstStyle/>
+                    <a:p>
+                      <a:r>
+                        <a:rPr lang="sv-SE" sz="1200" b="1" dirty="0" smtClean="0"/>
+                        <a:t>KonID</a:t>
+                      </a:r>
+                      <a:endParaRPr lang="sv-SE" sz="1200" b="1" dirty="0"/>
+                    </a:p>
+                  </a:txBody>
+                  <a:tcPr/>
+                </a:tc>
+                <a:tc>
+                  <a:txBody>
+                    <a:bodyPr/>
+                    <a:lstStyle/>
+                    <a:p>
+                      <a:r>
+                        <a:rPr lang="sv-SE" sz="1200" dirty="0" smtClean="0"/>
+                        <a:t>Räknare, Pk. Unikt.</a:t>
+                      </a:r>
+                      <a:endParaRPr lang="sv-SE" sz="1200" dirty="0"/>
+                    </a:p>
+                  </a:txBody>
+                  <a:tcPr/>
+                </a:tc>
+              </a:tr>
+              <a:tr h="319988">
+                <a:tc>
+                  <a:txBody>
+                    <a:bodyPr/>
+                    <a:lstStyle/>
+                    <a:p>
+                      <a:r>
+                        <a:rPr lang="sv-SE" sz="1200" b="1" dirty="0" smtClean="0"/>
+                        <a:t>Kontakttyp.KontypID</a:t>
+                      </a:r>
+                      <a:endParaRPr lang="sv-SE" sz="1200" b="1" dirty="0"/>
+                    </a:p>
+                  </a:txBody>
+                  <a:tcPr/>
+                </a:tc>
+                <a:tc>
+                  <a:txBody>
+                    <a:bodyPr/>
+                    <a:lstStyle/>
+                    <a:p>
+                      <a:pPr marL="0" marR="0" indent="0" algn="l" defTabSz="914400" rtl="0" eaLnBrk="1" fontAlgn="auto" latinLnBrk="0" hangingPunct="1">
+                        <a:lnSpc>
+                          <a:spcPct val="100000"/>
+                        </a:lnSpc>
+                        <a:spcBef>
+                          <a:spcPts val="0"/>
+                        </a:spcBef>
+                        <a:spcAft>
+                          <a:spcPts val="0"/>
+                        </a:spcAft>
+                        <a:buClrTx/>
+                        <a:buSzTx/>
+                        <a:buFontTx/>
+                        <a:buNone/>
+                        <a:tabLst/>
+                        <a:defRPr/>
+                      </a:pPr>
+                      <a:r>
+                        <a:rPr lang="sv-SE" sz="1200" dirty="0" smtClean="0"/>
+                        <a:t>Räknare, Pk. Unikt.</a:t>
+                      </a:r>
+                    </a:p>
+                  </a:txBody>
+                  <a:tcPr/>
+                </a:tc>
+              </a:tr>
+              <a:tr h="294836">
+                <a:tc>
+                  <a:txBody>
+                    <a:bodyPr/>
+                    <a:lstStyle/>
+                    <a:p>
+                      <a:r>
+                        <a:rPr lang="sv-SE" sz="1200" b="1" dirty="0" smtClean="0"/>
+                        <a:t>Kontakttyp.Kontyp</a:t>
+                      </a:r>
+                      <a:endParaRPr lang="sv-SE" sz="1200" b="1" dirty="0"/>
+                    </a:p>
+                  </a:txBody>
+                  <a:tcPr/>
+                </a:tc>
+                <a:tc>
+                  <a:txBody>
+                    <a:bodyPr/>
+                    <a:lstStyle/>
+                    <a:p>
+                      <a:r>
+                        <a:rPr lang="sv-SE" sz="1200" dirty="0" smtClean="0"/>
+                        <a:t>Ej</a:t>
+                      </a:r>
+                      <a:r>
+                        <a:rPr lang="sv-SE" sz="1200" baseline="0" dirty="0" smtClean="0"/>
+                        <a:t> Null.</a:t>
+                      </a:r>
+                      <a:endParaRPr lang="sv-SE" sz="1200" dirty="0"/>
+                    </a:p>
+                  </a:txBody>
+                  <a:tcPr/>
+                </a:tc>
+              </a:tr>
+              <a:tr h="284036">
+                <a:tc>
+                  <a:txBody>
+                    <a:bodyPr/>
+                    <a:lstStyle/>
+                    <a:p>
+                      <a:r>
+                        <a:rPr lang="sv-SE" sz="1200" b="1" dirty="0" smtClean="0"/>
+                        <a:t>Medlem.BefID</a:t>
+                      </a:r>
+                      <a:endParaRPr lang="sv-SE" sz="1200" b="1" dirty="0"/>
+                    </a:p>
+                  </a:txBody>
+                  <a:tcPr/>
+                </a:tc>
+                <a:tc>
+                  <a:txBody>
+                    <a:bodyPr/>
+                    <a:lstStyle/>
+                    <a:p>
+                      <a:r>
+                        <a:rPr lang="sv-SE" sz="1200" dirty="0" smtClean="0"/>
+                        <a:t>Fk, ej</a:t>
+                      </a:r>
+                      <a:r>
+                        <a:rPr lang="sv-SE" sz="1200" baseline="0" dirty="0" smtClean="0"/>
+                        <a:t> Null. Endast giltiga värden.</a:t>
+                      </a:r>
+                      <a:endParaRPr lang="sv-SE" sz="1200" dirty="0"/>
+                    </a:p>
+                  </a:txBody>
+                  <a:tcPr/>
+                </a:tc>
+              </a:tr>
+            </a:tbl>
+          </a:graphicData>
+        </a:graphic>
+      </p:graphicFrame>
+      <p:sp>
+        <p:nvSpPr>
+          <p:cNvPr id="25" name="TextBox 24"/>
+          <p:cNvSpPr txBox="1"/>
+          <p:nvPr/>
+        </p:nvSpPr>
+        <p:spPr>
+          <a:xfrm>
+            <a:off x="-57290" y="4906444"/>
+            <a:ext cx="2325034" cy="307777"/>
+          </a:xfrm>
+          <a:prstGeom prst="rect">
+            <a:avLst/>
+          </a:prstGeom>
+          <a:noFill/>
+        </p:spPr>
+        <p:txBody>
+          <a:bodyPr wrap="square" rtlCol="0">
+            <a:spAutoFit/>
+          </a:bodyPr>
+          <a:lstStyle/>
           <a:p>
             <a:r>
               <a:rPr lang="sv-SE" sz="1400" b="1" dirty="0" smtClean="0"/>
-              <a:t>Postnummer &amp; Ort</a:t>
-            </a:r>
-          </a:p>
-          <a:p>
-            <a:r>
-              <a:rPr lang="sv-SE" sz="1400" dirty="0" smtClean="0"/>
-              <a:t>39230	Kalmar</a:t>
-            </a:r>
-          </a:p>
-          <a:p>
-            <a:endParaRPr lang="sv-SE" sz="1400" dirty="0"/>
+              <a:t>Andra fält som påverkas</a:t>
+            </a:r>
+            <a:endParaRPr lang="sv-SE" sz="1400" b="1" dirty="0"/>
           </a:p>
         </p:txBody>
       </p:sp>
@@ -12208,4 +13889,289 @@
   <a:objectDefaults/>
   <a:extraClrSchemeLst/>
 </a:theme>
+</file>
+
+<file path=ppt/theme/theme2.xml><?xml version="1.0" encoding="utf-8"?>
+<a:theme xmlns:a="http://schemas.openxmlformats.org/drawingml/2006/main" name="Office Theme">
+  <a:themeElements>
+    <a:clrScheme name="Office">
+      <a:dk1>
+        <a:sysClr val="windowText" lastClr="000000"/>
+      </a:dk1>
+      <a:lt1>
+        <a:sysClr val="window" lastClr="FFFFFF"/>
+      </a:lt1>
+      <a:dk2>
+        <a:srgbClr val="1F497D"/>
+      </a:dk2>
+      <a:lt2>
+        <a:srgbClr val="EEECE1"/>
+      </a:lt2>
+      <a:accent1>
+        <a:srgbClr val="4F81BD"/>
+      </a:accent1>
+      <a:accent2>
+        <a:srgbClr val="C0504D"/>
+      </a:accent2>
+      <a:accent3>
+        <a:srgbClr val="9BBB59"/>
+      </a:accent3>
+      <a:accent4>
+        <a:srgbClr val="8064A2"/>
+      </a:accent4>
+      <a:accent5>
+        <a:srgbClr val="4BACC6"/>
+      </a:accent5>
+      <a:accent6>
+        <a:srgbClr val="F79646"/>
+      </a:accent6>
+      <a:hlink>
+        <a:srgbClr val="0000FF"/>
+      </a:hlink>
+      <a:folHlink>
+        <a:srgbClr val="800080"/>
+      </a:folHlink>
+    </a:clrScheme>
+    <a:fontScheme name="Office">
+      <a:majorFont>
+        <a:latin typeface="Calibri"/>
+        <a:ea typeface=""/>
+        <a:cs typeface=""/>
+        <a:font script="Jpan" typeface="ＭＳ Ｐゴシック"/>
+        <a:font script="Hang" typeface="맑은 고딕"/>
+        <a:font script="Hans" typeface="宋体"/>
+        <a:font script="Hant" typeface="新細明體"/>
+        <a:font script="Arab" typeface="Times New Roman"/>
+        <a:font script="Hebr" typeface="Times New Roman"/>
+        <a:font script="Thai" typeface="Angsana New"/>
+        <a:font script="Ethi" typeface="Nyala"/>
+        <a:font script="Beng" typeface="Vrinda"/>
+        <a:font script="Gujr" typeface="Shruti"/>
+        <a:font script="Khmr" typeface="MoolBoran"/>
+        <a:font script="Knda" typeface="Tunga"/>
+        <a:font script="Guru" typeface="Raavi"/>
+        <a:font script="Cans" typeface="Euphemia"/>
+        <a:font script="Cher" typeface="Plantagenet Cherokee"/>
+        <a:font script="Yiii" typeface="Microsoft Yi Baiti"/>
+        <a:font script="Tibt" typeface="Microsoft Himalaya"/>
+        <a:font script="Thaa" typeface="MV Boli"/>
+        <a:font script="Deva" typeface="Mangal"/>
+        <a:font script="Telu" typeface="Gautami"/>
+        <a:font script="Taml" typeface="Latha"/>
+        <a:font script="Syrc" typeface="Estrangelo Edessa"/>
+        <a:font script="Orya" typeface="Kalinga"/>
+        <a:font script="Mlym" typeface="Kartika"/>
+        <a:font script="Laoo" typeface="DokChampa"/>
+        <a:font script="Sinh" typeface="Iskoola Pota"/>
+        <a:font script="Mong" typeface="Mongolian Baiti"/>
+        <a:font script="Viet" typeface="Times New Roman"/>
+        <a:font script="Uigh" typeface="Microsoft Uighur"/>
+        <a:font script="Geor" typeface="Sylfaen"/>
+      </a:majorFont>
+      <a:minorFont>
+        <a:latin typeface="Calibri"/>
+        <a:ea typeface=""/>
+        <a:cs typeface=""/>
+        <a:font script="Jpan" typeface="ＭＳ Ｐゴシック"/>
+        <a:font script="Hang" typeface="맑은 고딕"/>
+        <a:font script="Hans" typeface="宋体"/>
+        <a:font script="Hant" typeface="新細明體"/>
+        <a:font script="Arab" typeface="Arial"/>
+        <a:font script="Hebr" typeface="Arial"/>
+        <a:font script="Thai" typeface="Cordia New"/>
+        <a:font script="Ethi" typeface="Nyala"/>
+        <a:font script="Beng" typeface="Vrinda"/>
+        <a:font script="Gujr" typeface="Shruti"/>
+        <a:font script="Khmr" typeface="DaunPenh"/>
+        <a:font script="Knda" typeface="Tunga"/>
+        <a:font script="Guru" typeface="Raavi"/>
+        <a:font script="Cans" typeface="Euphemia"/>
+        <a:font script="Cher" typeface="Plantagenet Cherokee"/>
+        <a:font script="Yiii" typeface="Microsoft Yi Baiti"/>
+        <a:font script="Tibt" typeface="Microsoft Himalaya"/>
+        <a:font script="Thaa" typeface="MV Boli"/>
+        <a:font script="Deva" typeface="Mangal"/>
+        <a:font script="Telu" typeface="Gautami"/>
+        <a:font script="Taml" typeface="Latha"/>
+        <a:font script="Syrc" typeface="Estrangelo Edessa"/>
+        <a:font script="Orya" typeface="Kalinga"/>
+        <a:font script="Mlym" typeface="Kartika"/>
+        <a:font script="Laoo" typeface="DokChampa"/>
+        <a:font script="Sinh" typeface="Iskoola Pota"/>
+        <a:font script="Mong" typeface="Mongolian Baiti"/>
+        <a:font script="Viet" typeface="Arial"/>
+        <a:font script="Uigh" typeface="Microsoft Uighur"/>
+        <a:font script="Geor" typeface="Sylfaen"/>
+      </a:minorFont>
+    </a:fontScheme>
+    <a:fmtScheme name="Office">
+      <a:fillStyleLst>
+        <a:solidFill>
+          <a:schemeClr val="phClr"/>
+        </a:solidFill>
+        <a:gradFill rotWithShape="1">
+          <a:gsLst>
+            <a:gs pos="0">
+              <a:schemeClr val="phClr">
+                <a:tint val="50000"/>
+                <a:satMod val="300000"/>
+              </a:schemeClr>
+            </a:gs>
+            <a:gs pos="35000">
+              <a:schemeClr val="phClr">
+                <a:tint val="37000"/>
+                <a:satMod val="300000"/>
+              </a:schemeClr>
+            </a:gs>
+            <a:gs pos="100000">
+              <a:schemeClr val="phClr">
+                <a:tint val="15000"/>
+                <a:satMod val="350000"/>
+              </a:schemeClr>
+            </a:gs>
+          </a:gsLst>
+          <a:lin ang="16200000" scaled="1"/>
+        </a:gradFill>
+        <a:gradFill rotWithShape="1">
+          <a:gsLst>
+            <a:gs pos="0">
+              <a:schemeClr val="phClr">
+                <a:shade val="51000"/>
+                <a:satMod val="130000"/>
+              </a:schemeClr>
+            </a:gs>
+            <a:gs pos="80000">
+              <a:schemeClr val="phClr">
+                <a:shade val="93000"/>
+                <a:satMod val="130000"/>
+              </a:schemeClr>
+            </a:gs>
+            <a:gs pos="100000">
+              <a:schemeClr val="phClr">
+                <a:shade val="94000"/>
+                <a:satMod val="135000"/>
+              </a:schemeClr>
+            </a:gs>
+          </a:gsLst>
+          <a:lin ang="16200000" scaled="0"/>
+        </a:gradFill>
+      </a:fillStyleLst>
+      <a:lnStyleLst>
+        <a:ln w="9525" cap="flat" cmpd="sng" algn="ctr">
+          <a:solidFill>
+            <a:schemeClr val="phClr">
+              <a:shade val="95000"/>
+              <a:satMod val="105000"/>
+            </a:schemeClr>
+          </a:solidFill>
+          <a:prstDash val="solid"/>
+        </a:ln>
+        <a:ln w="25400" cap="flat" cmpd="sng" algn="ctr">
+          <a:solidFill>
+            <a:schemeClr val="phClr"/>
+          </a:solidFill>
+          <a:prstDash val="solid"/>
+        </a:ln>
+        <a:ln w="38100" cap="flat" cmpd="sng" algn="ctr">
+          <a:solidFill>
+            <a:schemeClr val="phClr"/>
+          </a:solidFill>
+          <a:prstDash val="solid"/>
+        </a:ln>
+      </a:lnStyleLst>
+      <a:effectStyleLst>
+        <a:effectStyle>
+          <a:effectLst>
+            <a:outerShdw blurRad="40000" dist="20000" dir="5400000" rotWithShape="0">
+              <a:srgbClr val="000000">
+                <a:alpha val="38000"/>
+              </a:srgbClr>
+            </a:outerShdw>
+          </a:effectLst>
+        </a:effectStyle>
+        <a:effectStyle>
+          <a:effectLst>
+            <a:outerShdw blurRad="40000" dist="23000" dir="5400000" rotWithShape="0">
+              <a:srgbClr val="000000">
+                <a:alpha val="35000"/>
+              </a:srgbClr>
+            </a:outerShdw>
+          </a:effectLst>
+        </a:effectStyle>
+        <a:effectStyle>
+          <a:effectLst>
+            <a:outerShdw blurRad="40000" dist="23000" dir="5400000" rotWithShape="0">
+              <a:srgbClr val="000000">
+                <a:alpha val="35000"/>
+              </a:srgbClr>
+            </a:outerShdw>
+          </a:effectLst>
+          <a:scene3d>
+            <a:camera prst="orthographicFront">
+              <a:rot lat="0" lon="0" rev="0"/>
+            </a:camera>
+            <a:lightRig rig="threePt" dir="t">
+              <a:rot lat="0" lon="0" rev="1200000"/>
+            </a:lightRig>
+          </a:scene3d>
+          <a:sp3d>
+            <a:bevelT w="63500" h="25400"/>
+          </a:sp3d>
+        </a:effectStyle>
+      </a:effectStyleLst>
+      <a:bgFillStyleLst>
+        <a:solidFill>
+          <a:schemeClr val="phClr"/>
+        </a:solidFill>
+        <a:gradFill rotWithShape="1">
+          <a:gsLst>
+            <a:gs pos="0">
+              <a:schemeClr val="phClr">
+                <a:tint val="40000"/>
+                <a:satMod val="350000"/>
+              </a:schemeClr>
+            </a:gs>
+            <a:gs pos="40000">
+              <a:schemeClr val="phClr">
+                <a:tint val="45000"/>
+                <a:shade val="99000"/>
+                <a:satMod val="350000"/>
+              </a:schemeClr>
+            </a:gs>
+            <a:gs pos="100000">
+              <a:schemeClr val="phClr">
+                <a:shade val="20000"/>
+                <a:satMod val="255000"/>
+              </a:schemeClr>
+            </a:gs>
+          </a:gsLst>
+          <a:path path="circle">
+            <a:fillToRect l="50000" t="-80000" r="50000" b="180000"/>
+          </a:path>
+        </a:gradFill>
+        <a:gradFill rotWithShape="1">
+          <a:gsLst>
+            <a:gs pos="0">
+              <a:schemeClr val="phClr">
+                <a:tint val="80000"/>
+                <a:satMod val="300000"/>
+              </a:schemeClr>
+            </a:gs>
+            <a:gs pos="100000">
+              <a:schemeClr val="phClr">
+                <a:shade val="30000"/>
+                <a:satMod val="200000"/>
+              </a:schemeClr>
+            </a:gs>
+          </a:gsLst>
+          <a:path path="circle">
+            <a:fillToRect l="50000" t="50000" r="50000" b="50000"/>
+          </a:path>
+        </a:gradFill>
+      </a:bgFillStyleLst>
+    </a:fmtScheme>
+  </a:themeElements>
+  <a:objectDefaults/>
+  <a:extraClrSchemeLst/>
+</a:theme>
 </file>